--- a/building-ai-applications/ready/03__DatabaseAgent.pptx
+++ b/building-ai-applications/ready/03__DatabaseAgent.pptx
@@ -5,52 +5,52 @@
     <p:sldMasterId id="2147483651" r:id="rId1"/>
   </p:sldMasterIdLst>
   <p:notesMasterIdLst>
-    <p:notesMasterId r:id="rId42"/>
+    <p:notesMasterId r:id="rId2"/>
   </p:notesMasterIdLst>
   <p:handoutMasterIdLst>
-    <p:handoutMasterId r:id="rId43"/>
+    <p:handoutMasterId r:id="rId3"/>
   </p:handoutMasterIdLst>
   <p:sldIdLst>
-    <p:sldId id="256" r:id="rId2"/>
-    <p:sldId id="257" r:id="rId3"/>
-    <p:sldId id="258" r:id="rId4"/>
-    <p:sldId id="259" r:id="rId5"/>
-    <p:sldId id="260" r:id="rId6"/>
-    <p:sldId id="261" r:id="rId7"/>
-    <p:sldId id="262" r:id="rId8"/>
-    <p:sldId id="263" r:id="rId9"/>
-    <p:sldId id="264" r:id="rId10"/>
-    <p:sldId id="265" r:id="rId11"/>
-    <p:sldId id="266" r:id="rId12"/>
-    <p:sldId id="267" r:id="rId13"/>
-    <p:sldId id="268" r:id="rId14"/>
-    <p:sldId id="269" r:id="rId15"/>
-    <p:sldId id="270" r:id="rId16"/>
-    <p:sldId id="271" r:id="rId17"/>
-    <p:sldId id="272" r:id="rId18"/>
-    <p:sldId id="273" r:id="rId19"/>
-    <p:sldId id="274" r:id="rId20"/>
-    <p:sldId id="275" r:id="rId21"/>
-    <p:sldId id="276" r:id="rId22"/>
-    <p:sldId id="277" r:id="rId23"/>
-    <p:sldId id="278" r:id="rId24"/>
-    <p:sldId id="279" r:id="rId25"/>
-    <p:sldId id="280" r:id="rId26"/>
-    <p:sldId id="281" r:id="rId27"/>
-    <p:sldId id="282" r:id="rId28"/>
-    <p:sldId id="283" r:id="rId29"/>
-    <p:sldId id="284" r:id="rId30"/>
-    <p:sldId id="285" r:id="rId31"/>
-    <p:sldId id="286" r:id="rId32"/>
-    <p:sldId id="287" r:id="rId33"/>
-    <p:sldId id="288" r:id="rId34"/>
-    <p:sldId id="289" r:id="rId35"/>
-    <p:sldId id="290" r:id="rId36"/>
-    <p:sldId id="291" r:id="rId37"/>
-    <p:sldId id="292" r:id="rId38"/>
-    <p:sldId id="293" r:id="rId39"/>
-    <p:sldId id="294" r:id="rId40"/>
-    <p:sldId id="295" r:id="rId41"/>
+    <p:sldId id="256" r:id="rId9"/>
+    <p:sldId id="257" r:id="rId10"/>
+    <p:sldId id="258" r:id="rId11"/>
+    <p:sldId id="259" r:id="rId12"/>
+    <p:sldId id="260" r:id="rId13"/>
+    <p:sldId id="261" r:id="rId14"/>
+    <p:sldId id="262" r:id="rId15"/>
+    <p:sldId id="263" r:id="rId16"/>
+    <p:sldId id="264" r:id="rId17"/>
+    <p:sldId id="265" r:id="rId18"/>
+    <p:sldId id="266" r:id="rId19"/>
+    <p:sldId id="267" r:id="rId20"/>
+    <p:sldId id="268" r:id="rId21"/>
+    <p:sldId id="269" r:id="rId22"/>
+    <p:sldId id="270" r:id="rId23"/>
+    <p:sldId id="271" r:id="rId24"/>
+    <p:sldId id="272" r:id="rId25"/>
+    <p:sldId id="273" r:id="rId26"/>
+    <p:sldId id="274" r:id="rId27"/>
+    <p:sldId id="275" r:id="rId28"/>
+    <p:sldId id="276" r:id="rId29"/>
+    <p:sldId id="277" r:id="rId30"/>
+    <p:sldId id="278" r:id="rId31"/>
+    <p:sldId id="279" r:id="rId32"/>
+    <p:sldId id="280" r:id="rId33"/>
+    <p:sldId id="281" r:id="rId34"/>
+    <p:sldId id="282" r:id="rId35"/>
+    <p:sldId id="283" r:id="rId36"/>
+    <p:sldId id="284" r:id="rId37"/>
+    <p:sldId id="285" r:id="rId38"/>
+    <p:sldId id="286" r:id="rId39"/>
+    <p:sldId id="287" r:id="rId40"/>
+    <p:sldId id="288" r:id="rId41"/>
+    <p:sldId id="289" r:id="rId42"/>
+    <p:sldId id="290" r:id="rId43"/>
+    <p:sldId id="291" r:id="rId44"/>
+    <p:sldId id="292" r:id="rId45"/>
+    <p:sldId id="293" r:id="rId46"/>
+    <p:sldId id="294" r:id="rId47"/>
+    <p:sldId id="295" r:id="rId48"/>
   </p:sldIdLst>
   <p:sldSz cx="9372600" cy="8297863"/>
   <p:notesSz cx="7315200" cy="9601200"/>
@@ -218,7 +218,9 @@
   <p:cmAuthor id="2" name="Mark Kerzner" initials="MK" lastIdx="6" clrIdx="1"/>
   <p:cmAuthor id="3" name="Mary Beth Conlee" initials="MBC" lastIdx="7" clrIdx="2"/>
   <p:cmAuthor id="4" name="Michelle" initials="M" lastIdx="5" clrIdx="3"/>
-  <p:cmAuthor id="5" name="Tricia Murphy" initials="TM" lastIdx="4" clrIdx="4"/>
+  <p:cmAuthor id="5" name="Tricia Murphy" initials="TM" lastIdx="4" clrIdx="4">
+    <p:extLst/>
+  </p:cmAuthor>
 </p:cmAuthorLst>
 </file>
 
@@ -2301,7 +2303,7 @@
 </file>
 
 <file path=ppt/slides/slide1.xml><?xml version="1.0" encoding="utf-8"?>
-<p:sld xmlns:a="http://schemas.openxmlformats.org/drawingml/2006/main" xmlns:r="http://schemas.openxmlformats.org/officeDocument/2006/relationships" xmlns:p="http://schemas.openxmlformats.org/presentationml/2006/main">
+<p:sld xmlns:a="http://schemas.openxmlformats.org/drawingml/2006/main" xmlns:p="http://schemas.openxmlformats.org/presentationml/2006/main" xmlns:r="http://schemas.openxmlformats.org/officeDocument/2006/relationships">
   <p:cSld>
     <p:spTree>
       <p:nvGrpSpPr>
@@ -2309,14 +2311,7 @@
         <p:cNvGrpSpPr/>
         <p:nvPr/>
       </p:nvGrpSpPr>
-      <p:grpSpPr>
-        <a:xfrm>
-          <a:off x="0" y="0"/>
-          <a:ext cx="0" cy="0"/>
-          <a:chOff x="0" y="0"/>
-          <a:chExt cx="0" cy="0"/>
-        </a:xfrm>
-      </p:grpSpPr>
+      <p:grpSpPr/>
       <p:sp>
         <p:nvSpPr>
           <p:cNvPr id="2" name="Subtitle 1"/>
@@ -2324,7 +2319,7 @@
             <a:spLocks noGrp="1"/>
           </p:cNvSpPr>
           <p:nvPr>
-            <p:ph type="subTitle" sz="quarter" idx="1"/>
+            <p:ph type="subTitle" idx="1" sz="quarter"/>
           </p:nvPr>
         </p:nvSpPr>
         <p:spPr/>
@@ -2384,6 +2379,9 @@
               </a:rPr>
               <a:t>Your First AI Database Agent</a:t>
             </a:r>
+            <a:endParaRPr sz="4200" b="1" i="0">
+              <a:latin typeface="Times New Roman"/>
+            </a:endParaRPr>
           </a:p>
         </p:txBody>
       </p:sp>
@@ -2429,7 +2427,7 @@
 </file>
 
 <file path=ppt/slides/slide10.xml><?xml version="1.0" encoding="utf-8"?>
-<p:sld xmlns:a="http://schemas.openxmlformats.org/drawingml/2006/main" xmlns:r="http://schemas.openxmlformats.org/officeDocument/2006/relationships" xmlns:p="http://schemas.openxmlformats.org/presentationml/2006/main">
+<p:sld xmlns:a="http://schemas.openxmlformats.org/drawingml/2006/main" xmlns:p="http://schemas.openxmlformats.org/presentationml/2006/main" xmlns:r="http://schemas.openxmlformats.org/officeDocument/2006/relationships">
   <p:cSld>
     <p:spTree>
       <p:nvGrpSpPr>
@@ -2437,14 +2435,7 @@
         <p:cNvGrpSpPr/>
         <p:nvPr/>
       </p:nvGrpSpPr>
-      <p:grpSpPr>
-        <a:xfrm>
-          <a:off x="0" y="0"/>
-          <a:ext cx="0" cy="0"/>
-          <a:chOff x="0" y="0"/>
-          <a:chExt cx="0" cy="0"/>
-        </a:xfrm>
-      </p:grpSpPr>
+      <p:grpSpPr/>
       <p:sp>
         <p:nvSpPr>
           <p:cNvPr id="2" name="Title 1"/>
@@ -2573,7 +2564,7 @@
 </file>
 
 <file path=ppt/slides/slide11.xml><?xml version="1.0" encoding="utf-8"?>
-<p:sld xmlns:a="http://schemas.openxmlformats.org/drawingml/2006/main" xmlns:r="http://schemas.openxmlformats.org/officeDocument/2006/relationships" xmlns:p="http://schemas.openxmlformats.org/presentationml/2006/main">
+<p:sld xmlns:a="http://schemas.openxmlformats.org/drawingml/2006/main" xmlns:p="http://schemas.openxmlformats.org/presentationml/2006/main" xmlns:r="http://schemas.openxmlformats.org/officeDocument/2006/relationships">
   <p:cSld>
     <p:spTree>
       <p:nvGrpSpPr>
@@ -2581,14 +2572,7 @@
         <p:cNvGrpSpPr/>
         <p:nvPr/>
       </p:nvGrpSpPr>
-      <p:grpSpPr>
-        <a:xfrm>
-          <a:off x="0" y="0"/>
-          <a:ext cx="0" cy="0"/>
-          <a:chOff x="0" y="0"/>
-          <a:chExt cx="0" cy="0"/>
-        </a:xfrm>
-      </p:grpSpPr>
+      <p:grpSpPr/>
       <p:sp>
         <p:nvSpPr>
           <p:cNvPr id="2" name="Title 1"/>
@@ -2626,33 +2610,23 @@
           <a:lstStyle/>
           <a:p>
             <a:r>
-              <a:rPr dirty="0"/>
               <a:t> Import necessary libraries:</a:t>
             </a:r>
           </a:p>
-          <a:p>
-            <a:endParaRPr dirty="0"/>
-          </a:p>
-          <a:p>
-            <a:endParaRPr lang="en-US" dirty="0"/>
-          </a:p>
-          <a:p>
-            <a:endParaRPr dirty="0"/>
-          </a:p>
-          <a:p>
-            <a:r>
-              <a:rPr b="1" dirty="0"/>
+          <a:p/>
+          <a:p/>
+          <a:p>
+            <a:r>
+              <a:rPr b="1"/>
               <a:t> Why pandas</a:t>
             </a:r>
             <a:r>
-              <a:rPr dirty="0"/>
               <a:t> :</a:t>
             </a:r>
           </a:p>
           <a:p>
             <a:pPr lvl="1"/>
             <a:r>
-              <a:rPr dirty="0"/>
               <a:t> Pandas simplifies reading, processing, and analyzing structured data efficiently.</a:t>
             </a:r>
           </a:p>
@@ -2707,8 +2681,8 @@
         </p:blipFill>
         <p:spPr>
           <a:xfrm>
-            <a:off x="704088" y="1558131"/>
-            <a:ext cx="5892800" cy="977900"/>
+            <a:off x="0" y="1353312"/>
+            <a:ext cx="5892800" cy="1054100"/>
           </a:xfrm>
           <a:prstGeom prst="rect">
             <a:avLst/>
@@ -2724,7 +2698,7 @@
 </file>
 
 <file path=ppt/slides/slide12.xml><?xml version="1.0" encoding="utf-8"?>
-<p:sld xmlns:a="http://schemas.openxmlformats.org/drawingml/2006/main" xmlns:r="http://schemas.openxmlformats.org/officeDocument/2006/relationships" xmlns:p="http://schemas.openxmlformats.org/presentationml/2006/main">
+<p:sld xmlns:a="http://schemas.openxmlformats.org/drawingml/2006/main" xmlns:p="http://schemas.openxmlformats.org/presentationml/2006/main" xmlns:r="http://schemas.openxmlformats.org/officeDocument/2006/relationships">
   <p:cSld>
     <p:spTree>
       <p:nvGrpSpPr>
@@ -2732,14 +2706,7 @@
         <p:cNvGrpSpPr/>
         <p:nvPr/>
       </p:nvGrpSpPr>
-      <p:grpSpPr>
-        <a:xfrm>
-          <a:off x="0" y="0"/>
-          <a:ext cx="0" cy="0"/>
-          <a:chOff x="0" y="0"/>
-          <a:chExt cx="0" cy="0"/>
-        </a:xfrm>
-      </p:grpSpPr>
+      <p:grpSpPr/>
       <p:sp>
         <p:nvSpPr>
           <p:cNvPr id="2" name="Title 1"/>
@@ -2775,38 +2742,22 @@
         <p:txBody>
           <a:bodyPr/>
           <a:lstStyle/>
-          <a:p>
-            <a:endParaRPr dirty="0"/>
-          </a:p>
-          <a:p>
-            <a:endParaRPr dirty="0"/>
-          </a:p>
-          <a:p>
-            <a:endParaRPr lang="en-US" dirty="0"/>
-          </a:p>
-          <a:p>
-            <a:endParaRPr lang="en-US" dirty="0"/>
-          </a:p>
-          <a:p>
-            <a:pPr marL="0" indent="0">
-              <a:buNone/>
-            </a:pPr>
-            <a:endParaRPr dirty="0"/>
-          </a:p>
-          <a:p>
-            <a:r>
-              <a:rPr b="1" dirty="0"/>
+          <a:p/>
+          <a:p/>
+          <a:p/>
+          <a:p/>
+          <a:p>
+            <a:r>
+              <a:rPr b="1"/>
               <a:t> Why this is critical</a:t>
             </a:r>
             <a:r>
-              <a:rPr dirty="0"/>
               <a:t> :</a:t>
             </a:r>
           </a:p>
           <a:p>
             <a:pPr lvl="1"/>
             <a:r>
-              <a:rPr dirty="0"/>
               <a:t> Ensures your program handles unexpected scenarios gracefully, improving reliability.</a:t>
             </a:r>
           </a:p>
@@ -2861,8 +2812,8 @@
         </p:blipFill>
         <p:spPr>
           <a:xfrm>
-            <a:off x="671632" y="1031929"/>
-            <a:ext cx="8337550" cy="2052155"/>
+            <a:off x="0" y="914400"/>
+            <a:ext cx="9855200" cy="2654300"/>
           </a:xfrm>
           <a:prstGeom prst="rect">
             <a:avLst/>
@@ -2878,7 +2829,7 @@
 </file>
 
 <file path=ppt/slides/slide13.xml><?xml version="1.0" encoding="utf-8"?>
-<p:sld xmlns:a="http://schemas.openxmlformats.org/drawingml/2006/main" xmlns:r="http://schemas.openxmlformats.org/officeDocument/2006/relationships" xmlns:p="http://schemas.openxmlformats.org/presentationml/2006/main">
+<p:sld xmlns:a="http://schemas.openxmlformats.org/drawingml/2006/main" xmlns:p="http://schemas.openxmlformats.org/presentationml/2006/main" xmlns:r="http://schemas.openxmlformats.org/officeDocument/2006/relationships">
   <p:cSld>
     <p:spTree>
       <p:nvGrpSpPr>
@@ -2886,14 +2837,7 @@
         <p:cNvGrpSpPr/>
         <p:nvPr/>
       </p:nvGrpSpPr>
-      <p:grpSpPr>
-        <a:xfrm>
-          <a:off x="0" y="0"/>
-          <a:ext cx="0" cy="0"/>
-          <a:chOff x="0" y="0"/>
-          <a:chExt cx="0" cy="0"/>
-        </a:xfrm>
-      </p:grpSpPr>
+      <p:grpSpPr/>
       <p:sp>
         <p:nvSpPr>
           <p:cNvPr id="2" name="Title 1"/>
@@ -2931,66 +2875,44 @@
           <a:lstStyle/>
           <a:p>
             <a:r>
-              <a:rPr dirty="0"/>
               <a:t> Example: Filter rows where the "Age" column is greater than 30.</a:t>
             </a:r>
-            <a:endParaRPr lang="en-US" dirty="0"/>
-          </a:p>
-          <a:p>
-            <a:endParaRPr dirty="0"/>
-          </a:p>
-          <a:p>
-            <a:endParaRPr dirty="0"/>
-          </a:p>
-          <a:p>
-            <a:r>
-              <a:rPr b="1" dirty="0"/>
+          </a:p>
+          <a:p/>
+          <a:p>
+            <a:r>
+              <a:rPr b="1"/>
               <a:t> Additional operations</a:t>
             </a:r>
             <a:r>
-              <a:rPr dirty="0"/>
               <a:t> :</a:t>
             </a:r>
           </a:p>
           <a:p>
             <a:pPr lvl="1"/>
             <a:r>
-              <a:rPr dirty="0"/>
               <a:t> Renaming columns:</a:t>
             </a:r>
           </a:p>
-          <a:p>
-            <a:pPr marL="0" indent="0">
-              <a:buNone/>
-            </a:pPr>
-            <a:endParaRPr dirty="0"/>
-          </a:p>
-          <a:p>
-            <a:r>
-              <a:rPr dirty="0"/>
+          <a:p/>
+          <a:p>
+            <a:r>
               <a:t> Adding new columns:</a:t>
             </a:r>
           </a:p>
-          <a:p>
-            <a:endParaRPr lang="en-US" dirty="0"/>
-          </a:p>
-          <a:p>
-            <a:endParaRPr dirty="0"/>
-          </a:p>
-          <a:p>
-            <a:r>
-              <a:rPr b="1" dirty="0"/>
+          <a:p/>
+          <a:p>
+            <a:r>
+              <a:rPr b="1"/>
               <a:t> Key takeaway</a:t>
             </a:r>
             <a:r>
-              <a:rPr dirty="0"/>
               <a:t> :</a:t>
             </a:r>
           </a:p>
           <a:p>
             <a:pPr lvl="1"/>
             <a:r>
-              <a:rPr dirty="0"/>
               <a:t> Data manipulation allows for creating more meaningful datasets tailored to specific use cases.</a:t>
             </a:r>
           </a:p>
@@ -3045,8 +2967,8 @@
         </p:blipFill>
         <p:spPr>
           <a:xfrm>
-            <a:off x="699855" y="1848460"/>
-            <a:ext cx="5588000" cy="736600"/>
+            <a:off x="0" y="1792224"/>
+            <a:ext cx="5588000" cy="787400"/>
           </a:xfrm>
           <a:prstGeom prst="rect">
             <a:avLst/>
@@ -3069,8 +2991,8 @@
         </p:blipFill>
         <p:spPr>
           <a:xfrm>
-            <a:off x="699855" y="3527720"/>
-            <a:ext cx="8261350" cy="408874"/>
+            <a:off x="0" y="3108960"/>
+            <a:ext cx="10007600" cy="520700"/>
           </a:xfrm>
           <a:prstGeom prst="rect">
             <a:avLst/>
@@ -3093,8 +3015,8 @@
         </p:blipFill>
         <p:spPr>
           <a:xfrm>
-            <a:off x="699855" y="4671948"/>
-            <a:ext cx="6197600" cy="495300"/>
+            <a:off x="0" y="3986783"/>
+            <a:ext cx="6197600" cy="520700"/>
           </a:xfrm>
           <a:prstGeom prst="rect">
             <a:avLst/>
@@ -3110,7 +3032,7 @@
 </file>
 
 <file path=ppt/slides/slide14.xml><?xml version="1.0" encoding="utf-8"?>
-<p:sld xmlns:a="http://schemas.openxmlformats.org/drawingml/2006/main" xmlns:r="http://schemas.openxmlformats.org/officeDocument/2006/relationships" xmlns:p="http://schemas.openxmlformats.org/presentationml/2006/main">
+<p:sld xmlns:a="http://schemas.openxmlformats.org/drawingml/2006/main" xmlns:p="http://schemas.openxmlformats.org/presentationml/2006/main" xmlns:r="http://schemas.openxmlformats.org/officeDocument/2006/relationships">
   <p:cSld>
     <p:spTree>
       <p:nvGrpSpPr>
@@ -3118,14 +3040,7 @@
         <p:cNvGrpSpPr/>
         <p:nvPr/>
       </p:nvGrpSpPr>
-      <p:grpSpPr>
-        <a:xfrm>
-          <a:off x="0" y="0"/>
-          <a:ext cx="0" cy="0"/>
-          <a:chOff x="0" y="0"/>
-          <a:chExt cx="0" cy="0"/>
-        </a:xfrm>
-      </p:grpSpPr>
+      <p:grpSpPr/>
       <p:sp>
         <p:nvSpPr>
           <p:cNvPr id="2" name="Title 1"/>
@@ -3163,42 +3078,28 @@
           <a:lstStyle/>
           <a:p>
             <a:r>
-              <a:rPr dirty="0"/>
               <a:t> Save processed data to a new CSV file:</a:t>
             </a:r>
           </a:p>
-          <a:p>
-            <a:endParaRPr dirty="0"/>
-          </a:p>
-          <a:p>
-            <a:r>
-              <a:rPr dirty="0"/>
+          <a:p/>
+          <a:p>
+            <a:r>
               <a:t> Ensure UTF-8 encoding for compatibility:</a:t>
             </a:r>
           </a:p>
-          <a:p>
-            <a:endParaRPr dirty="0"/>
-          </a:p>
-          <a:p>
-            <a:pPr marL="0" indent="0">
-              <a:buNone/>
-            </a:pPr>
-            <a:endParaRPr lang="en-US" b="1" dirty="0"/>
-          </a:p>
-          <a:p>
-            <a:r>
-              <a:rPr b="1" dirty="0"/>
-              <a:t>Why this is important</a:t>
-            </a:r>
-            <a:r>
-              <a:rPr dirty="0"/>
+          <a:p/>
+          <a:p>
+            <a:r>
+              <a:rPr b="1"/>
+              <a:t> Why this is important</a:t>
+            </a:r>
+            <a:r>
               <a:t> :</a:t>
             </a:r>
           </a:p>
           <a:p>
             <a:pPr lvl="1"/>
             <a:r>
-              <a:rPr dirty="0"/>
               <a:t> Exporting clean, processed data ensures compatibility and usability in downstream applications.</a:t>
             </a:r>
           </a:p>
@@ -3253,8 +3154,8 @@
         </p:blipFill>
         <p:spPr>
           <a:xfrm>
-            <a:off x="704088" y="1417204"/>
-            <a:ext cx="7944612" cy="455647"/>
+            <a:off x="0" y="1353312"/>
+            <a:ext cx="8636000" cy="520700"/>
           </a:xfrm>
           <a:prstGeom prst="rect">
             <a:avLst/>
@@ -3277,8 +3178,8 @@
         </p:blipFill>
         <p:spPr>
           <a:xfrm>
-            <a:off x="704088" y="2361639"/>
-            <a:ext cx="8554212" cy="416251"/>
+            <a:off x="0" y="2231136"/>
+            <a:ext cx="11379200" cy="520700"/>
           </a:xfrm>
           <a:prstGeom prst="rect">
             <a:avLst/>
@@ -3294,7 +3195,7 @@
 </file>
 
 <file path=ppt/slides/slide15.xml><?xml version="1.0" encoding="utf-8"?>
-<p:sld xmlns:a="http://schemas.openxmlformats.org/drawingml/2006/main" xmlns:r="http://schemas.openxmlformats.org/officeDocument/2006/relationships" xmlns:p="http://schemas.openxmlformats.org/presentationml/2006/main">
+<p:sld xmlns:a="http://schemas.openxmlformats.org/drawingml/2006/main" xmlns:p="http://schemas.openxmlformats.org/presentationml/2006/main" xmlns:r="http://schemas.openxmlformats.org/officeDocument/2006/relationships">
   <p:cSld>
     <p:spTree>
       <p:nvGrpSpPr>
@@ -3302,14 +3203,7 @@
         <p:cNvGrpSpPr/>
         <p:nvPr/>
       </p:nvGrpSpPr>
-      <p:grpSpPr>
-        <a:xfrm>
-          <a:off x="0" y="0"/>
-          <a:ext cx="0" cy="0"/>
-          <a:chOff x="0" y="0"/>
-          <a:chExt cx="0" cy="0"/>
-        </a:xfrm>
-      </p:grpSpPr>
+      <p:grpSpPr/>
       <p:sp>
         <p:nvSpPr>
           <p:cNvPr id="2" name="Title 1"/>
@@ -3431,7 +3325,7 @@
 </file>
 
 <file path=ppt/slides/slide16.xml><?xml version="1.0" encoding="utf-8"?>
-<p:sld xmlns:a="http://schemas.openxmlformats.org/drawingml/2006/main" xmlns:r="http://schemas.openxmlformats.org/officeDocument/2006/relationships" xmlns:p="http://schemas.openxmlformats.org/presentationml/2006/main">
+<p:sld xmlns:a="http://schemas.openxmlformats.org/drawingml/2006/main" xmlns:p="http://schemas.openxmlformats.org/presentationml/2006/main" xmlns:r="http://schemas.openxmlformats.org/officeDocument/2006/relationships">
   <p:cSld>
     <p:spTree>
       <p:nvGrpSpPr>
@@ -3439,14 +3333,7 @@
         <p:cNvGrpSpPr/>
         <p:nvPr/>
       </p:nvGrpSpPr>
-      <p:grpSpPr>
-        <a:xfrm>
-          <a:off x="0" y="0"/>
-          <a:ext cx="0" cy="0"/>
-          <a:chOff x="0" y="0"/>
-          <a:chExt cx="0" cy="0"/>
-        </a:xfrm>
-      </p:grpSpPr>
+      <p:grpSpPr/>
       <p:sp>
         <p:nvSpPr>
           <p:cNvPr id="2" name="Subtitle 1"/>
@@ -3454,7 +3341,7 @@
             <a:spLocks noGrp="1"/>
           </p:cNvSpPr>
           <p:nvPr>
-            <p:ph type="subTitle" sz="quarter" idx="1"/>
+            <p:ph type="subTitle" idx="1" sz="quarter"/>
           </p:nvPr>
         </p:nvSpPr>
         <p:spPr/>
@@ -3467,7 +3354,10 @@
             </a:pPr>
             <a:r>
               <a:t>Setup
-Manipulating CSV Files
+</a:t>
+            </a:r>
+            <a:r>
+              <a:t>Manipulating CSV Files
 </a:t>
             </a:r>
             <a:r>
@@ -3477,7 +3367,10 @@
             </a:r>
             <a:r>
               <a:t>Integrating Azure OpenAI
-Enhancing SQL Interactions
+</a:t>
+            </a:r>
+            <a:r>
+              <a:t>Enhancing SQL Interactions
 </a:t>
             </a:r>
           </a:p>
@@ -3506,6 +3399,9 @@
               </a:rPr>
               <a:t>Working with SQL Databases</a:t>
             </a:r>
+            <a:endParaRPr sz="4200" b="1" i="0">
+              <a:latin typeface="Times New Roman"/>
+            </a:endParaRPr>
           </a:p>
         </p:txBody>
       </p:sp>
@@ -3551,7 +3447,7 @@
 </file>
 
 <file path=ppt/slides/slide17.xml><?xml version="1.0" encoding="utf-8"?>
-<p:sld xmlns:a="http://schemas.openxmlformats.org/drawingml/2006/main" xmlns:r="http://schemas.openxmlformats.org/officeDocument/2006/relationships" xmlns:p="http://schemas.openxmlformats.org/presentationml/2006/main">
+<p:sld xmlns:a="http://schemas.openxmlformats.org/drawingml/2006/main" xmlns:p="http://schemas.openxmlformats.org/presentationml/2006/main" xmlns:r="http://schemas.openxmlformats.org/officeDocument/2006/relationships">
   <p:cSld>
     <p:spTree>
       <p:nvGrpSpPr>
@@ -3559,14 +3455,7 @@
         <p:cNvGrpSpPr/>
         <p:nvPr/>
       </p:nvGrpSpPr>
-      <p:grpSpPr>
-        <a:xfrm>
-          <a:off x="0" y="0"/>
-          <a:ext cx="0" cy="0"/>
-          <a:chOff x="0" y="0"/>
-          <a:chExt cx="0" cy="0"/>
-        </a:xfrm>
-      </p:grpSpPr>
+      <p:grpSpPr/>
       <p:sp>
         <p:nvSpPr>
           <p:cNvPr id="2" name="Title 1"/>
@@ -3689,7 +3578,7 @@
 </file>
 
 <file path=ppt/slides/slide18.xml><?xml version="1.0" encoding="utf-8"?>
-<p:sld xmlns:a="http://schemas.openxmlformats.org/drawingml/2006/main" xmlns:r="http://schemas.openxmlformats.org/officeDocument/2006/relationships" xmlns:p="http://schemas.openxmlformats.org/presentationml/2006/main">
+<p:sld xmlns:a="http://schemas.openxmlformats.org/drawingml/2006/main" xmlns:p="http://schemas.openxmlformats.org/presentationml/2006/main" xmlns:r="http://schemas.openxmlformats.org/officeDocument/2006/relationships">
   <p:cSld>
     <p:spTree>
       <p:nvGrpSpPr>
@@ -3697,14 +3586,7 @@
         <p:cNvGrpSpPr/>
         <p:nvPr/>
       </p:nvGrpSpPr>
-      <p:grpSpPr>
-        <a:xfrm>
-          <a:off x="0" y="0"/>
-          <a:ext cx="0" cy="0"/>
-          <a:chOff x="0" y="0"/>
-          <a:chExt cx="0" cy="0"/>
-        </a:xfrm>
-      </p:grpSpPr>
+      <p:grpSpPr/>
       <p:sp>
         <p:nvSpPr>
           <p:cNvPr id="2" name="Title 1"/>
@@ -3742,30 +3624,22 @@
           <a:lstStyle/>
           <a:p>
             <a:r>
-              <a:rPr dirty="0"/>
               <a:t> Import necessary libraries:</a:t>
             </a:r>
           </a:p>
-          <a:p>
-            <a:endParaRPr lang="en-US" dirty="0"/>
-          </a:p>
-          <a:p>
-            <a:endParaRPr dirty="0"/>
-          </a:p>
-          <a:p>
-            <a:r>
-              <a:rPr b="1" dirty="0"/>
+          <a:p/>
+          <a:p>
+            <a:r>
+              <a:rPr b="1"/>
               <a:t> What this enables</a:t>
             </a:r>
             <a:r>
-              <a:rPr dirty="0"/>
               <a:t> :</a:t>
             </a:r>
           </a:p>
           <a:p>
             <a:pPr lvl="1"/>
             <a:r>
-              <a:rPr dirty="0"/>
               <a:t> Combines database interactions with data manipulation for end-to-end analytics.</a:t>
             </a:r>
           </a:p>
@@ -3820,8 +3694,8 @@
         </p:blipFill>
         <p:spPr>
           <a:xfrm>
-            <a:off x="704088" y="1481931"/>
-            <a:ext cx="4216400" cy="736600"/>
+            <a:off x="0" y="1353312"/>
+            <a:ext cx="4216400" cy="787400"/>
           </a:xfrm>
           <a:prstGeom prst="rect">
             <a:avLst/>
@@ -3837,7 +3711,7 @@
 </file>
 
 <file path=ppt/slides/slide19.xml><?xml version="1.0" encoding="utf-8"?>
-<p:sld xmlns:a="http://schemas.openxmlformats.org/drawingml/2006/main" xmlns:r="http://schemas.openxmlformats.org/officeDocument/2006/relationships" xmlns:p="http://schemas.openxmlformats.org/presentationml/2006/main">
+<p:sld xmlns:a="http://schemas.openxmlformats.org/drawingml/2006/main" xmlns:p="http://schemas.openxmlformats.org/presentationml/2006/main" xmlns:r="http://schemas.openxmlformats.org/officeDocument/2006/relationships">
   <p:cSld>
     <p:spTree>
       <p:nvGrpSpPr>
@@ -3845,14 +3719,7 @@
         <p:cNvGrpSpPr/>
         <p:nvPr/>
       </p:nvGrpSpPr>
-      <p:grpSpPr>
-        <a:xfrm>
-          <a:off x="0" y="0"/>
-          <a:ext cx="0" cy="0"/>
-          <a:chOff x="0" y="0"/>
-          <a:chExt cx="0" cy="0"/>
-        </a:xfrm>
-      </p:grpSpPr>
+      <p:grpSpPr/>
       <p:sp>
         <p:nvSpPr>
           <p:cNvPr id="2" name="Title 1"/>
@@ -3888,32 +3755,20 @@
         <p:txBody>
           <a:bodyPr/>
           <a:lstStyle/>
-          <a:p>
-            <a:endParaRPr dirty="0"/>
-          </a:p>
-          <a:p>
-            <a:endParaRPr lang="en-US" dirty="0"/>
-          </a:p>
-          <a:p>
-            <a:endParaRPr lang="en-US" dirty="0"/>
-          </a:p>
-          <a:p>
-            <a:endParaRPr dirty="0"/>
-          </a:p>
-          <a:p>
-            <a:r>
-              <a:rPr b="1" dirty="0"/>
+          <a:p/>
+          <a:p/>
+          <a:p>
+            <a:r>
+              <a:rPr b="1"/>
               <a:t> Key insight</a:t>
             </a:r>
             <a:r>
-              <a:rPr dirty="0"/>
               <a:t> :</a:t>
             </a:r>
           </a:p>
           <a:p>
             <a:pPr lvl="1"/>
             <a:r>
-              <a:rPr dirty="0"/>
               <a:t> Connections form the bridge between Python and your database for seamless interaction.</a:t>
             </a:r>
           </a:p>
@@ -3968,8 +3823,8 @@
         </p:blipFill>
         <p:spPr>
           <a:xfrm>
-            <a:off x="704088" y="1253331"/>
-            <a:ext cx="8178800" cy="1219200"/>
+            <a:off x="0" y="914400"/>
+            <a:ext cx="8178800" cy="1320800"/>
           </a:xfrm>
           <a:prstGeom prst="rect">
             <a:avLst/>
@@ -3985,7 +3840,7 @@
 </file>
 
 <file path=ppt/slides/slide2.xml><?xml version="1.0" encoding="utf-8"?>
-<p:sld xmlns:a="http://schemas.openxmlformats.org/drawingml/2006/main" xmlns:r="http://schemas.openxmlformats.org/officeDocument/2006/relationships" xmlns:p="http://schemas.openxmlformats.org/presentationml/2006/main">
+<p:sld xmlns:a="http://schemas.openxmlformats.org/drawingml/2006/main" xmlns:p="http://schemas.openxmlformats.org/presentationml/2006/main" xmlns:r="http://schemas.openxmlformats.org/officeDocument/2006/relationships">
   <p:cSld>
     <p:spTree>
       <p:nvGrpSpPr>
@@ -3993,14 +3848,7 @@
         <p:cNvGrpSpPr/>
         <p:nvPr/>
       </p:nvGrpSpPr>
-      <p:grpSpPr>
-        <a:xfrm>
-          <a:off x="0" y="0"/>
-          <a:ext cx="0" cy="0"/>
-          <a:chOff x="0" y="0"/>
-          <a:chExt cx="0" cy="0"/>
-        </a:xfrm>
-      </p:grpSpPr>
+      <p:grpSpPr/>
       <p:sp>
         <p:nvSpPr>
           <p:cNvPr id="2" name="Subtitle 1"/>
@@ -4008,7 +3856,7 @@
             <a:spLocks noGrp="1"/>
           </p:cNvSpPr>
           <p:nvPr>
-            <p:ph type="subTitle" sz="quarter" idx="1"/>
+            <p:ph type="subTitle" idx="1" sz="quarter"/>
           </p:nvPr>
         </p:nvSpPr>
         <p:spPr/>
@@ -4026,9 +3874,18 @@
             </a:r>
             <a:r>
               <a:t>Manipulating CSV Files
-Working with SQL Databases
-Integrating Azure OpenAI
-Enhancing SQL Interactions
+</a:t>
+            </a:r>
+            <a:r>
+              <a:t>Working with SQL Databases
+</a:t>
+            </a:r>
+            <a:r>
+              <a:t>Integrating Azure OpenAI
+</a:t>
+            </a:r>
+            <a:r>
+              <a:t>Enhancing SQL Interactions
 </a:t>
             </a:r>
           </a:p>
@@ -4057,6 +3914,9 @@
               </a:rPr>
               <a:t>Setup</a:t>
             </a:r>
+            <a:endParaRPr sz="4200" b="1" i="0">
+              <a:latin typeface="Times New Roman"/>
+            </a:endParaRPr>
           </a:p>
         </p:txBody>
       </p:sp>
@@ -4102,7 +3962,7 @@
 </file>
 
 <file path=ppt/slides/slide20.xml><?xml version="1.0" encoding="utf-8"?>
-<p:sld xmlns:a="http://schemas.openxmlformats.org/drawingml/2006/main" xmlns:r="http://schemas.openxmlformats.org/officeDocument/2006/relationships" xmlns:p="http://schemas.openxmlformats.org/presentationml/2006/main">
+<p:sld xmlns:a="http://schemas.openxmlformats.org/drawingml/2006/main" xmlns:p="http://schemas.openxmlformats.org/presentationml/2006/main" xmlns:r="http://schemas.openxmlformats.org/officeDocument/2006/relationships">
   <p:cSld>
     <p:spTree>
       <p:nvGrpSpPr>
@@ -4110,14 +3970,7 @@
         <p:cNvGrpSpPr/>
         <p:nvPr/>
       </p:nvGrpSpPr>
-      <p:grpSpPr>
-        <a:xfrm>
-          <a:off x="0" y="0"/>
-          <a:ext cx="0" cy="0"/>
-          <a:chOff x="0" y="0"/>
-          <a:chExt cx="0" cy="0"/>
-        </a:xfrm>
-      </p:grpSpPr>
+      <p:grpSpPr/>
       <p:sp>
         <p:nvSpPr>
           <p:cNvPr id="2" name="Title 1"/>
@@ -4153,41 +4006,22 @@
         <p:txBody>
           <a:bodyPr/>
           <a:lstStyle/>
-          <a:p>
-            <a:endParaRPr dirty="0"/>
-          </a:p>
-          <a:p>
-            <a:endParaRPr dirty="0"/>
-          </a:p>
-          <a:p>
-            <a:endParaRPr dirty="0"/>
-          </a:p>
-          <a:p>
-            <a:endParaRPr lang="en-US" dirty="0"/>
-          </a:p>
-          <a:p>
-            <a:endParaRPr lang="en-US" dirty="0"/>
-          </a:p>
-          <a:p>
-            <a:pPr marL="0" indent="0">
-              <a:buNone/>
-            </a:pPr>
-            <a:endParaRPr dirty="0"/>
-          </a:p>
-          <a:p>
-            <a:r>
-              <a:rPr b="1" dirty="0"/>
+          <a:p/>
+          <a:p/>
+          <a:p/>
+          <a:p/>
+          <a:p>
+            <a:r>
+              <a:rPr b="1"/>
               <a:t> Why this matters</a:t>
             </a:r>
             <a:r>
-              <a:rPr dirty="0"/>
               <a:t> :</a:t>
             </a:r>
           </a:p>
           <a:p>
             <a:pPr lvl="1"/>
             <a:r>
-              <a:rPr dirty="0"/>
               <a:t> Structuring data in tables is the backbone of relational database design.</a:t>
             </a:r>
           </a:p>
@@ -4242,8 +4076,8 @@
         </p:blipFill>
         <p:spPr>
           <a:xfrm>
-            <a:off x="704088" y="1077132"/>
-            <a:ext cx="7112000" cy="2425700"/>
+            <a:off x="0" y="914400"/>
+            <a:ext cx="7112000" cy="2654300"/>
           </a:xfrm>
           <a:prstGeom prst="rect">
             <a:avLst/>
@@ -4259,7 +4093,7 @@
 </file>
 
 <file path=ppt/slides/slide21.xml><?xml version="1.0" encoding="utf-8"?>
-<p:sld xmlns:a="http://schemas.openxmlformats.org/drawingml/2006/main" xmlns:r="http://schemas.openxmlformats.org/officeDocument/2006/relationships" xmlns:p="http://schemas.openxmlformats.org/presentationml/2006/main">
+<p:sld xmlns:a="http://schemas.openxmlformats.org/drawingml/2006/main" xmlns:p="http://schemas.openxmlformats.org/presentationml/2006/main" xmlns:r="http://schemas.openxmlformats.org/officeDocument/2006/relationships">
   <p:cSld>
     <p:spTree>
       <p:nvGrpSpPr>
@@ -4267,14 +4101,7 @@
         <p:cNvGrpSpPr/>
         <p:nvPr/>
       </p:nvGrpSpPr>
-      <p:grpSpPr>
-        <a:xfrm>
-          <a:off x="0" y="0"/>
-          <a:ext cx="0" cy="0"/>
-          <a:chOff x="0" y="0"/>
-          <a:chExt cx="0" cy="0"/>
-        </a:xfrm>
-      </p:grpSpPr>
+      <p:grpSpPr/>
       <p:sp>
         <p:nvSpPr>
           <p:cNvPr id="2" name="Title 1"/>
@@ -4312,49 +4139,32 @@
           <a:lstStyle/>
           <a:p>
             <a:r>
-              <a:rPr dirty="0"/>
               <a:t> Insert rows into the</a:t>
             </a:r>
             <a:r>
-              <a:rPr dirty="0">
+              <a:rPr>
                 <a:latin typeface="Courier New"/>
               </a:rPr>
               <a:t> users</a:t>
             </a:r>
             <a:r>
-              <a:rPr dirty="0"/>
               <a:t> table:</a:t>
             </a:r>
           </a:p>
-          <a:p>
-            <a:endParaRPr dirty="0"/>
-          </a:p>
-          <a:p>
-            <a:endParaRPr lang="en-US" dirty="0"/>
-          </a:p>
-          <a:p>
-            <a:endParaRPr lang="en-US" dirty="0"/>
-          </a:p>
-          <a:p>
-            <a:pPr marL="0" indent="0">
-              <a:buNone/>
-            </a:pPr>
-            <a:endParaRPr dirty="0"/>
-          </a:p>
-          <a:p>
-            <a:r>
-              <a:rPr b="1" dirty="0"/>
+          <a:p/>
+          <a:p/>
+          <a:p>
+            <a:r>
+              <a:rPr b="1"/>
               <a:t> Why it’s useful</a:t>
             </a:r>
             <a:r>
-              <a:rPr dirty="0"/>
               <a:t> :</a:t>
             </a:r>
           </a:p>
           <a:p>
             <a:pPr lvl="1"/>
             <a:r>
-              <a:rPr dirty="0"/>
               <a:t> Populating tables with data enables queries and analytics on real-world datasets.</a:t>
             </a:r>
           </a:p>
@@ -4409,8 +4219,8 @@
         </p:blipFill>
         <p:spPr>
           <a:xfrm>
-            <a:off x="704088" y="1634331"/>
-            <a:ext cx="8020812" cy="1226587"/>
+            <a:off x="0" y="1353312"/>
+            <a:ext cx="9550400" cy="1587500"/>
           </a:xfrm>
           <a:prstGeom prst="rect">
             <a:avLst/>
@@ -4426,7 +4236,7 @@
 </file>
 
 <file path=ppt/slides/slide22.xml><?xml version="1.0" encoding="utf-8"?>
-<p:sld xmlns:a="http://schemas.openxmlformats.org/drawingml/2006/main" xmlns:r="http://schemas.openxmlformats.org/officeDocument/2006/relationships" xmlns:p="http://schemas.openxmlformats.org/presentationml/2006/main">
+<p:sld xmlns:a="http://schemas.openxmlformats.org/drawingml/2006/main" xmlns:p="http://schemas.openxmlformats.org/presentationml/2006/main" xmlns:r="http://schemas.openxmlformats.org/officeDocument/2006/relationships">
   <p:cSld>
     <p:spTree>
       <p:nvGrpSpPr>
@@ -4434,14 +4244,7 @@
         <p:cNvGrpSpPr/>
         <p:nvPr/>
       </p:nvGrpSpPr>
-      <p:grpSpPr>
-        <a:xfrm>
-          <a:off x="0" y="0"/>
-          <a:ext cx="0" cy="0"/>
-          <a:chOff x="0" y="0"/>
-          <a:chExt cx="0" cy="0"/>
-        </a:xfrm>
-      </p:grpSpPr>
+      <p:grpSpPr/>
       <p:sp>
         <p:nvSpPr>
           <p:cNvPr id="2" name="Title 1"/>
@@ -4479,31 +4282,22 @@
           <a:lstStyle/>
           <a:p>
             <a:r>
-              <a:rPr dirty="0"/>
               <a:t> Retrieve data from the table:</a:t>
             </a:r>
-            <a:endParaRPr lang="en-US" dirty="0"/>
-          </a:p>
-          <a:p>
-            <a:endParaRPr dirty="0"/>
-          </a:p>
-          <a:p>
-            <a:endParaRPr dirty="0"/>
-          </a:p>
-          <a:p>
-            <a:r>
-              <a:rPr b="1" dirty="0"/>
+          </a:p>
+          <a:p/>
+          <a:p>
+            <a:r>
+              <a:rPr b="1"/>
               <a:t> Key takeaway</a:t>
             </a:r>
             <a:r>
-              <a:rPr dirty="0"/>
               <a:t> :</a:t>
             </a:r>
           </a:p>
           <a:p>
             <a:pPr lvl="1"/>
             <a:r>
-              <a:rPr dirty="0"/>
               <a:t> Querying allows extracting meaningful insights from your database efficiently.</a:t>
             </a:r>
           </a:p>
@@ -4558,8 +4352,8 @@
         </p:blipFill>
         <p:spPr>
           <a:xfrm>
-            <a:off x="704088" y="1481931"/>
-            <a:ext cx="8097012" cy="634631"/>
+            <a:off x="0" y="1353312"/>
+            <a:ext cx="9398000" cy="787400"/>
           </a:xfrm>
           <a:prstGeom prst="rect">
             <a:avLst/>
@@ -4575,7 +4369,7 @@
 </file>
 
 <file path=ppt/slides/slide23.xml><?xml version="1.0" encoding="utf-8"?>
-<p:sld xmlns:a="http://schemas.openxmlformats.org/drawingml/2006/main" xmlns:r="http://schemas.openxmlformats.org/officeDocument/2006/relationships" xmlns:p="http://schemas.openxmlformats.org/presentationml/2006/main">
+<p:sld xmlns:a="http://schemas.openxmlformats.org/drawingml/2006/main" xmlns:p="http://schemas.openxmlformats.org/presentationml/2006/main" xmlns:r="http://schemas.openxmlformats.org/officeDocument/2006/relationships">
   <p:cSld>
     <p:spTree>
       <p:nvGrpSpPr>
@@ -4583,14 +4377,7 @@
         <p:cNvGrpSpPr/>
         <p:nvPr/>
       </p:nvGrpSpPr>
-      <p:grpSpPr>
-        <a:xfrm>
-          <a:off x="0" y="0"/>
-          <a:ext cx="0" cy="0"/>
-          <a:chOff x="0" y="0"/>
-          <a:chExt cx="0" cy="0"/>
-        </a:xfrm>
-      </p:grpSpPr>
+      <p:grpSpPr/>
       <p:sp>
         <p:nvSpPr>
           <p:cNvPr id="2" name="Title 1"/>
@@ -4628,52 +4415,28 @@
           <a:lstStyle/>
           <a:p>
             <a:r>
-              <a:rPr dirty="0"/>
-              <a:t> Read SQL query results into a pandas </a:t>
-            </a:r>
-            <a:r>
-              <a:rPr dirty="0" err="1"/>
-              <a:t>DataFrame</a:t>
-            </a:r>
-            <a:r>
-              <a:rPr dirty="0"/>
-              <a:t>:</a:t>
-            </a:r>
-            <a:endParaRPr lang="en-US" dirty="0"/>
-          </a:p>
-          <a:p>
-            <a:endParaRPr dirty="0"/>
-          </a:p>
-          <a:p>
-            <a:endParaRPr dirty="0"/>
-          </a:p>
-          <a:p>
-            <a:r>
-              <a:rPr dirty="0"/>
+              <a:t> Read SQL query results into a pandas DataFrame:</a:t>
+            </a:r>
+          </a:p>
+          <a:p/>
+          <a:p>
+            <a:r>
               <a:t> Perform pandas operations on the retrieved data:</a:t>
             </a:r>
-            <a:endParaRPr lang="en-US" dirty="0"/>
-          </a:p>
-          <a:p>
-            <a:endParaRPr dirty="0"/>
-          </a:p>
-          <a:p>
-            <a:endParaRPr dirty="0"/>
-          </a:p>
-          <a:p>
-            <a:r>
-              <a:rPr b="1" dirty="0"/>
+          </a:p>
+          <a:p/>
+          <a:p>
+            <a:r>
+              <a:rPr b="1"/>
               <a:t> Why combine SQL and pandas</a:t>
             </a:r>
             <a:r>
-              <a:rPr dirty="0"/>
               <a:t> :</a:t>
             </a:r>
           </a:p>
           <a:p>
             <a:pPr lvl="1"/>
             <a:r>
-              <a:rPr dirty="0"/>
               <a:t> It bridges structured database storage with powerful Python-based data analytics.</a:t>
             </a:r>
           </a:p>
@@ -4728,8 +4491,8 @@
         </p:blipFill>
         <p:spPr>
           <a:xfrm>
-            <a:off x="704088" y="1528667"/>
-            <a:ext cx="8433562" cy="661009"/>
+            <a:off x="0" y="1353312"/>
+            <a:ext cx="9398000" cy="787400"/>
           </a:xfrm>
           <a:prstGeom prst="rect">
             <a:avLst/>
@@ -4752,8 +4515,8 @@
         </p:blipFill>
         <p:spPr>
           <a:xfrm>
-            <a:off x="704088" y="2853531"/>
-            <a:ext cx="5435600" cy="736600"/>
+            <a:off x="0" y="2231136"/>
+            <a:ext cx="5435600" cy="787400"/>
           </a:xfrm>
           <a:prstGeom prst="rect">
             <a:avLst/>
@@ -4769,7 +4532,7 @@
 </file>
 
 <file path=ppt/slides/slide24.xml><?xml version="1.0" encoding="utf-8"?>
-<p:sld xmlns:a="http://schemas.openxmlformats.org/drawingml/2006/main" xmlns:r="http://schemas.openxmlformats.org/officeDocument/2006/relationships" xmlns:p="http://schemas.openxmlformats.org/presentationml/2006/main">
+<p:sld xmlns:a="http://schemas.openxmlformats.org/drawingml/2006/main" xmlns:p="http://schemas.openxmlformats.org/presentationml/2006/main" xmlns:r="http://schemas.openxmlformats.org/officeDocument/2006/relationships">
   <p:cSld>
     <p:spTree>
       <p:nvGrpSpPr>
@@ -4777,14 +4540,7 @@
         <p:cNvGrpSpPr/>
         <p:nvPr/>
       </p:nvGrpSpPr>
-      <p:grpSpPr>
-        <a:xfrm>
-          <a:off x="0" y="0"/>
-          <a:ext cx="0" cy="0"/>
-          <a:chOff x="0" y="0"/>
-          <a:chExt cx="0" cy="0"/>
-        </a:xfrm>
-      </p:grpSpPr>
+      <p:grpSpPr/>
       <p:sp>
         <p:nvSpPr>
           <p:cNvPr id="2" name="Title 1"/>
@@ -4822,30 +4578,22 @@
           <a:lstStyle/>
           <a:p>
             <a:r>
-              <a:rPr dirty="0"/>
               <a:t> Close the database connection to free resources:</a:t>
             </a:r>
           </a:p>
-          <a:p>
-            <a:endParaRPr lang="en-US" dirty="0"/>
-          </a:p>
-          <a:p>
-            <a:endParaRPr dirty="0"/>
-          </a:p>
-          <a:p>
-            <a:r>
-              <a:rPr b="1" dirty="0"/>
+          <a:p/>
+          <a:p>
+            <a:r>
+              <a:rPr b="1"/>
               <a:t> Best practice</a:t>
             </a:r>
             <a:r>
-              <a:rPr dirty="0"/>
               <a:t> :</a:t>
             </a:r>
           </a:p>
           <a:p>
             <a:pPr lvl="1"/>
             <a:r>
-              <a:rPr dirty="0"/>
               <a:t> Always release database connections to prevent resource leaks and ensure system stability.</a:t>
             </a:r>
           </a:p>
@@ -4900,8 +4648,8 @@
         </p:blipFill>
         <p:spPr>
           <a:xfrm>
-            <a:off x="704088" y="1558131"/>
-            <a:ext cx="3454400" cy="495300"/>
+            <a:off x="0" y="1353312"/>
+            <a:ext cx="3454400" cy="520700"/>
           </a:xfrm>
           <a:prstGeom prst="rect">
             <a:avLst/>
@@ -4917,7 +4665,7 @@
 </file>
 
 <file path=ppt/slides/slide25.xml><?xml version="1.0" encoding="utf-8"?>
-<p:sld xmlns:a="http://schemas.openxmlformats.org/drawingml/2006/main" xmlns:r="http://schemas.openxmlformats.org/officeDocument/2006/relationships" xmlns:p="http://schemas.openxmlformats.org/presentationml/2006/main">
+<p:sld xmlns:a="http://schemas.openxmlformats.org/drawingml/2006/main" xmlns:p="http://schemas.openxmlformats.org/presentationml/2006/main" xmlns:r="http://schemas.openxmlformats.org/officeDocument/2006/relationships">
   <p:cSld>
     <p:spTree>
       <p:nvGrpSpPr>
@@ -4925,14 +4673,7 @@
         <p:cNvGrpSpPr/>
         <p:nvPr/>
       </p:nvGrpSpPr>
-      <p:grpSpPr>
-        <a:xfrm>
-          <a:off x="0" y="0"/>
-          <a:ext cx="0" cy="0"/>
-          <a:chOff x="0" y="0"/>
-          <a:chExt cx="0" cy="0"/>
-        </a:xfrm>
-      </p:grpSpPr>
+      <p:grpSpPr/>
       <p:sp>
         <p:nvSpPr>
           <p:cNvPr id="2" name="Title 1"/>
@@ -5055,7 +4796,7 @@
 </file>
 
 <file path=ppt/slides/slide26.xml><?xml version="1.0" encoding="utf-8"?>
-<p:sld xmlns:a="http://schemas.openxmlformats.org/drawingml/2006/main" xmlns:r="http://schemas.openxmlformats.org/officeDocument/2006/relationships" xmlns:p="http://schemas.openxmlformats.org/presentationml/2006/main">
+<p:sld xmlns:a="http://schemas.openxmlformats.org/drawingml/2006/main" xmlns:p="http://schemas.openxmlformats.org/presentationml/2006/main" xmlns:r="http://schemas.openxmlformats.org/officeDocument/2006/relationships">
   <p:cSld>
     <p:spTree>
       <p:nvGrpSpPr>
@@ -5063,14 +4804,7 @@
         <p:cNvGrpSpPr/>
         <p:nvPr/>
       </p:nvGrpSpPr>
-      <p:grpSpPr>
-        <a:xfrm>
-          <a:off x="0" y="0"/>
-          <a:ext cx="0" cy="0"/>
-          <a:chOff x="0" y="0"/>
-          <a:chExt cx="0" cy="0"/>
-        </a:xfrm>
-      </p:grpSpPr>
+      <p:grpSpPr/>
       <p:sp>
         <p:nvSpPr>
           <p:cNvPr id="2" name="Subtitle 1"/>
@@ -5078,7 +4812,7 @@
             <a:spLocks noGrp="1"/>
           </p:cNvSpPr>
           <p:nvPr>
-            <p:ph type="subTitle" sz="quarter" idx="1"/>
+            <p:ph type="subTitle" idx="1" sz="quarter"/>
           </p:nvPr>
         </p:nvSpPr>
         <p:spPr/>
@@ -5091,8 +4825,14 @@
             </a:pPr>
             <a:r>
               <a:t>Setup
-Manipulating CSV Files
-Working with SQL Databases
+</a:t>
+            </a:r>
+            <a:r>
+              <a:t>Manipulating CSV Files
+</a:t>
+            </a:r>
+            <a:r>
+              <a:t>Working with SQL Databases
 </a:t>
             </a:r>
             <a:r>
@@ -5130,6 +4870,9 @@
               </a:rPr>
               <a:t>Integrating Azure OpenAI</a:t>
             </a:r>
+            <a:endParaRPr sz="4200" b="1" i="0">
+              <a:latin typeface="Times New Roman"/>
+            </a:endParaRPr>
           </a:p>
         </p:txBody>
       </p:sp>
@@ -5175,7 +4918,7 @@
 </file>
 
 <file path=ppt/slides/slide27.xml><?xml version="1.0" encoding="utf-8"?>
-<p:sld xmlns:a="http://schemas.openxmlformats.org/drawingml/2006/main" xmlns:r="http://schemas.openxmlformats.org/officeDocument/2006/relationships" xmlns:p="http://schemas.openxmlformats.org/presentationml/2006/main">
+<p:sld xmlns:a="http://schemas.openxmlformats.org/drawingml/2006/main" xmlns:p="http://schemas.openxmlformats.org/presentationml/2006/main" xmlns:r="http://schemas.openxmlformats.org/officeDocument/2006/relationships">
   <p:cSld>
     <p:spTree>
       <p:nvGrpSpPr>
@@ -5183,14 +4926,7 @@
         <p:cNvGrpSpPr/>
         <p:nvPr/>
       </p:nvGrpSpPr>
-      <p:grpSpPr>
-        <a:xfrm>
-          <a:off x="0" y="0"/>
-          <a:ext cx="0" cy="0"/>
-          <a:chOff x="0" y="0"/>
-          <a:chExt cx="0" cy="0"/>
-        </a:xfrm>
-      </p:grpSpPr>
+      <p:grpSpPr/>
       <p:sp>
         <p:nvSpPr>
           <p:cNvPr id="2" name="Title 1"/>
@@ -5313,7 +5049,7 @@
 </file>
 
 <file path=ppt/slides/slide28.xml><?xml version="1.0" encoding="utf-8"?>
-<p:sld xmlns:a="http://schemas.openxmlformats.org/drawingml/2006/main" xmlns:r="http://schemas.openxmlformats.org/officeDocument/2006/relationships" xmlns:p="http://schemas.openxmlformats.org/presentationml/2006/main">
+<p:sld xmlns:a="http://schemas.openxmlformats.org/drawingml/2006/main" xmlns:p="http://schemas.openxmlformats.org/presentationml/2006/main" xmlns:r="http://schemas.openxmlformats.org/officeDocument/2006/relationships">
   <p:cSld>
     <p:spTree>
       <p:nvGrpSpPr>
@@ -5321,14 +5057,7 @@
         <p:cNvGrpSpPr/>
         <p:nvPr/>
       </p:nvGrpSpPr>
-      <p:grpSpPr>
-        <a:xfrm>
-          <a:off x="0" y="0"/>
-          <a:ext cx="0" cy="0"/>
-          <a:chOff x="0" y="0"/>
-          <a:chExt cx="0" cy="0"/>
-        </a:xfrm>
-      </p:grpSpPr>
+      <p:grpSpPr/>
       <p:sp>
         <p:nvSpPr>
           <p:cNvPr id="2" name="Title 1"/>
@@ -5379,18 +5108,10 @@
               <a:t> Set up Azure credentials:</a:t>
             </a:r>
           </a:p>
-          <a:p>
-            <a:endParaRPr/>
-          </a:p>
-          <a:p>
-            <a:endParaRPr/>
-          </a:p>
-          <a:p>
-            <a:endParaRPr/>
-          </a:p>
-          <a:p>
-            <a:endParaRPr/>
-          </a:p>
+          <a:p/>
+          <a:p/>
+          <a:p/>
+          <a:p/>
         </p:txBody>
       </p:sp>
       <p:sp>
@@ -5442,8 +5163,8 @@
         </p:blipFill>
         <p:spPr>
           <a:xfrm>
-            <a:off x="704088" y="2472531"/>
-            <a:ext cx="8097012" cy="2234869"/>
+            <a:off x="0" y="2231136"/>
+            <a:ext cx="8788400" cy="2654300"/>
           </a:xfrm>
           <a:prstGeom prst="rect">
             <a:avLst/>
@@ -5459,7 +5180,7 @@
 </file>
 
 <file path=ppt/slides/slide29.xml><?xml version="1.0" encoding="utf-8"?>
-<p:sld xmlns:a="http://schemas.openxmlformats.org/drawingml/2006/main" xmlns:r="http://schemas.openxmlformats.org/officeDocument/2006/relationships" xmlns:p="http://schemas.openxmlformats.org/presentationml/2006/main">
+<p:sld xmlns:a="http://schemas.openxmlformats.org/drawingml/2006/main" xmlns:p="http://schemas.openxmlformats.org/presentationml/2006/main" xmlns:r="http://schemas.openxmlformats.org/officeDocument/2006/relationships">
   <p:cSld>
     <p:spTree>
       <p:nvGrpSpPr>
@@ -5467,14 +5188,7 @@
         <p:cNvGrpSpPr/>
         <p:nvPr/>
       </p:nvGrpSpPr>
-      <p:grpSpPr>
-        <a:xfrm>
-          <a:off x="0" y="0"/>
-          <a:ext cx="0" cy="0"/>
-          <a:chOff x="0" y="0"/>
-          <a:chExt cx="0" cy="0"/>
-        </a:xfrm>
-      </p:grpSpPr>
+      <p:grpSpPr/>
       <p:sp>
         <p:nvSpPr>
           <p:cNvPr id="2" name="Title 1"/>
@@ -5512,33 +5226,22 @@
           <a:lstStyle/>
           <a:p>
             <a:r>
-              <a:rPr dirty="0"/>
               <a:t> Initialize the OpenAI client:</a:t>
             </a:r>
           </a:p>
-          <a:p>
-            <a:endParaRPr dirty="0"/>
-          </a:p>
-          <a:p>
-            <a:pPr marL="0" indent="0">
-              <a:buNone/>
-            </a:pPr>
-            <a:endParaRPr lang="en-US" b="1" dirty="0"/>
-          </a:p>
-          <a:p>
-            <a:r>
-              <a:rPr b="1" dirty="0"/>
-              <a:t>What this does</a:t>
-            </a:r>
-            <a:r>
-              <a:rPr dirty="0"/>
+          <a:p/>
+          <a:p>
+            <a:r>
+              <a:rPr b="1"/>
+              <a:t> What this does</a:t>
+            </a:r>
+            <a:r>
               <a:t> :</a:t>
             </a:r>
           </a:p>
           <a:p>
             <a:pPr lvl="1"/>
             <a:r>
-              <a:rPr dirty="0"/>
               <a:t> Sets up your application to interact with Azure OpenAI services programmatically.</a:t>
             </a:r>
           </a:p>
@@ -5593,8 +5296,8 @@
         </p:blipFill>
         <p:spPr>
           <a:xfrm>
-            <a:off x="704088" y="1710531"/>
-            <a:ext cx="8433562" cy="405060"/>
+            <a:off x="0" y="1353312"/>
+            <a:ext cx="10312400" cy="520700"/>
           </a:xfrm>
           <a:prstGeom prst="rect">
             <a:avLst/>
@@ -5610,7 +5313,7 @@
 </file>
 
 <file path=ppt/slides/slide3.xml><?xml version="1.0" encoding="utf-8"?>
-<p:sld xmlns:a="http://schemas.openxmlformats.org/drawingml/2006/main" xmlns:r="http://schemas.openxmlformats.org/officeDocument/2006/relationships" xmlns:p="http://schemas.openxmlformats.org/presentationml/2006/main">
+<p:sld xmlns:a="http://schemas.openxmlformats.org/drawingml/2006/main" xmlns:p="http://schemas.openxmlformats.org/presentationml/2006/main" xmlns:r="http://schemas.openxmlformats.org/officeDocument/2006/relationships">
   <p:cSld>
     <p:spTree>
       <p:nvGrpSpPr>
@@ -5618,14 +5321,7 @@
         <p:cNvGrpSpPr/>
         <p:nvPr/>
       </p:nvGrpSpPr>
-      <p:grpSpPr>
-        <a:xfrm>
-          <a:off x="0" y="0"/>
-          <a:ext cx="0" cy="0"/>
-          <a:chOff x="0" y="0"/>
-          <a:chExt cx="0" cy="0"/>
-        </a:xfrm>
-      </p:grpSpPr>
+      <p:grpSpPr/>
       <p:sp>
         <p:nvSpPr>
           <p:cNvPr id="2" name="Title 1"/>
@@ -5748,7 +5444,7 @@
 </file>
 
 <file path=ppt/slides/slide30.xml><?xml version="1.0" encoding="utf-8"?>
-<p:sld xmlns:a="http://schemas.openxmlformats.org/drawingml/2006/main" xmlns:r="http://schemas.openxmlformats.org/officeDocument/2006/relationships" xmlns:p="http://schemas.openxmlformats.org/presentationml/2006/main">
+<p:sld xmlns:a="http://schemas.openxmlformats.org/drawingml/2006/main" xmlns:p="http://schemas.openxmlformats.org/presentationml/2006/main" xmlns:r="http://schemas.openxmlformats.org/officeDocument/2006/relationships">
   <p:cSld>
     <p:spTree>
       <p:nvGrpSpPr>
@@ -5756,14 +5452,7 @@
         <p:cNvGrpSpPr/>
         <p:nvPr/>
       </p:nvGrpSpPr>
-      <p:grpSpPr>
-        <a:xfrm>
-          <a:off x="0" y="0"/>
-          <a:ext cx="0" cy="0"/>
-          <a:chOff x="0" y="0"/>
-          <a:chExt cx="0" cy="0"/>
-        </a:xfrm>
-      </p:grpSpPr>
+      <p:grpSpPr/>
       <p:sp>
         <p:nvSpPr>
           <p:cNvPr id="2" name="Title 1"/>
@@ -5801,31 +5490,22 @@
           <a:lstStyle/>
           <a:p>
             <a:r>
-              <a:rPr dirty="0"/>
               <a:t> Define a function for specific tasks:</a:t>
             </a:r>
-            <a:endParaRPr lang="en-US" dirty="0"/>
-          </a:p>
-          <a:p>
-            <a:endParaRPr dirty="0"/>
-          </a:p>
-          <a:p>
-            <a:endParaRPr dirty="0"/>
-          </a:p>
-          <a:p>
-            <a:r>
-              <a:rPr b="1" dirty="0"/>
+          </a:p>
+          <a:p/>
+          <a:p>
+            <a:r>
+              <a:rPr b="1"/>
               <a:t> Key insight</a:t>
             </a:r>
             <a:r>
-              <a:rPr dirty="0"/>
               <a:t> :</a:t>
             </a:r>
           </a:p>
           <a:p>
             <a:pPr lvl="1"/>
             <a:r>
-              <a:rPr dirty="0"/>
               <a:t> Custom functions enable modular, reusable components in larger workflows.</a:t>
             </a:r>
           </a:p>
@@ -5880,8 +5560,8 @@
         </p:blipFill>
         <p:spPr>
           <a:xfrm>
-            <a:off x="699855" y="1481931"/>
-            <a:ext cx="8025045" cy="661154"/>
+            <a:off x="0" y="1353312"/>
+            <a:ext cx="8940800" cy="787400"/>
           </a:xfrm>
           <a:prstGeom prst="rect">
             <a:avLst/>
@@ -5897,7 +5577,7 @@
 </file>
 
 <file path=ppt/slides/slide31.xml><?xml version="1.0" encoding="utf-8"?>
-<p:sld xmlns:a="http://schemas.openxmlformats.org/drawingml/2006/main" xmlns:r="http://schemas.openxmlformats.org/officeDocument/2006/relationships" xmlns:p="http://schemas.openxmlformats.org/presentationml/2006/main">
+<p:sld xmlns:a="http://schemas.openxmlformats.org/drawingml/2006/main" xmlns:p="http://schemas.openxmlformats.org/presentationml/2006/main" xmlns:r="http://schemas.openxmlformats.org/officeDocument/2006/relationships">
   <p:cSld>
     <p:spTree>
       <p:nvGrpSpPr>
@@ -5905,14 +5585,7 @@
         <p:cNvGrpSpPr/>
         <p:nvPr/>
       </p:nvGrpSpPr>
-      <p:grpSpPr>
-        <a:xfrm>
-          <a:off x="0" y="0"/>
-          <a:ext cx="0" cy="0"/>
-          <a:chOff x="0" y="0"/>
-          <a:chExt cx="0" cy="0"/>
-        </a:xfrm>
-      </p:grpSpPr>
+      <p:grpSpPr/>
       <p:sp>
         <p:nvSpPr>
           <p:cNvPr id="2" name="Title 1"/>
@@ -5950,31 +5623,22 @@
           <a:lstStyle/>
           <a:p>
             <a:r>
-              <a:rPr dirty="0"/>
               <a:t> Register the function:</a:t>
             </a:r>
-            <a:endParaRPr lang="en-US" dirty="0"/>
-          </a:p>
-          <a:p>
-            <a:endParaRPr dirty="0"/>
-          </a:p>
-          <a:p>
-            <a:endParaRPr dirty="0"/>
-          </a:p>
-          <a:p>
-            <a:r>
-              <a:rPr b="1" dirty="0"/>
+          </a:p>
+          <a:p/>
+          <a:p>
+            <a:r>
+              <a:rPr b="1"/>
               <a:t> Why register functions</a:t>
             </a:r>
             <a:r>
-              <a:rPr dirty="0"/>
               <a:t> :</a:t>
             </a:r>
           </a:p>
           <a:p>
             <a:pPr lvl="1"/>
             <a:r>
-              <a:rPr dirty="0"/>
               <a:t> It provides a structured way to integrate external logic into Azure workflows.</a:t>
             </a:r>
           </a:p>
@@ -6029,8 +5693,8 @@
         </p:blipFill>
         <p:spPr>
           <a:xfrm>
-            <a:off x="711144" y="1634331"/>
-            <a:ext cx="8178800" cy="495300"/>
+            <a:off x="0" y="1353312"/>
+            <a:ext cx="8178800" cy="520700"/>
           </a:xfrm>
           <a:prstGeom prst="rect">
             <a:avLst/>
@@ -6046,7 +5710,7 @@
 </file>
 
 <file path=ppt/slides/slide32.xml><?xml version="1.0" encoding="utf-8"?>
-<p:sld xmlns:a="http://schemas.openxmlformats.org/drawingml/2006/main" xmlns:r="http://schemas.openxmlformats.org/officeDocument/2006/relationships" xmlns:p="http://schemas.openxmlformats.org/presentationml/2006/main">
+<p:sld xmlns:a="http://schemas.openxmlformats.org/drawingml/2006/main" xmlns:p="http://schemas.openxmlformats.org/presentationml/2006/main" xmlns:r="http://schemas.openxmlformats.org/officeDocument/2006/relationships">
   <p:cSld>
     <p:spTree>
       <p:nvGrpSpPr>
@@ -6054,14 +5718,7 @@
         <p:cNvGrpSpPr/>
         <p:nvPr/>
       </p:nvGrpSpPr>
-      <p:grpSpPr>
-        <a:xfrm>
-          <a:off x="0" y="0"/>
-          <a:ext cx="0" cy="0"/>
-          <a:chOff x="0" y="0"/>
-          <a:chExt cx="0" cy="0"/>
-        </a:xfrm>
-      </p:grpSpPr>
+      <p:grpSpPr/>
       <p:sp>
         <p:nvSpPr>
           <p:cNvPr id="2" name="Title 1"/>
@@ -6102,12 +5759,8 @@
               <a:t> Call the registered function:</a:t>
             </a:r>
           </a:p>
-          <a:p>
-            <a:endParaRPr/>
-          </a:p>
-          <a:p>
-            <a:endParaRPr/>
-          </a:p>
+          <a:p/>
+          <a:p/>
           <a:p>
             <a:r>
               <a:rPr b="1"/>
@@ -6174,8 +5827,8 @@
         </p:blipFill>
         <p:spPr>
           <a:xfrm>
-            <a:off x="704088" y="1558131"/>
-            <a:ext cx="7944612" cy="648025"/>
+            <a:off x="0" y="1353312"/>
+            <a:ext cx="8915400" cy="783875"/>
           </a:xfrm>
           <a:prstGeom prst="rect">
             <a:avLst/>
@@ -6191,7 +5844,7 @@
 </file>
 
 <file path=ppt/slides/slide33.xml><?xml version="1.0" encoding="utf-8"?>
-<p:sld xmlns:a="http://schemas.openxmlformats.org/drawingml/2006/main" xmlns:r="http://schemas.openxmlformats.org/officeDocument/2006/relationships" xmlns:p="http://schemas.openxmlformats.org/presentationml/2006/main">
+<p:sld xmlns:a="http://schemas.openxmlformats.org/drawingml/2006/main" xmlns:p="http://schemas.openxmlformats.org/presentationml/2006/main" xmlns:r="http://schemas.openxmlformats.org/officeDocument/2006/relationships">
   <p:cSld>
     <p:spTree>
       <p:nvGrpSpPr>
@@ -6199,14 +5852,7 @@
         <p:cNvGrpSpPr/>
         <p:nvPr/>
       </p:nvGrpSpPr>
-      <p:grpSpPr>
-        <a:xfrm>
-          <a:off x="0" y="0"/>
-          <a:ext cx="0" cy="0"/>
-          <a:chOff x="0" y="0"/>
-          <a:chExt cx="0" cy="0"/>
-        </a:xfrm>
-      </p:grpSpPr>
+      <p:grpSpPr/>
       <p:sp>
         <p:nvSpPr>
           <p:cNvPr id="2" name="Title 1"/>
@@ -6323,7 +5969,7 @@
 </file>
 
 <file path=ppt/slides/slide34.xml><?xml version="1.0" encoding="utf-8"?>
-<p:sld xmlns:a="http://schemas.openxmlformats.org/drawingml/2006/main" xmlns:r="http://schemas.openxmlformats.org/officeDocument/2006/relationships" xmlns:p="http://schemas.openxmlformats.org/presentationml/2006/main">
+<p:sld xmlns:a="http://schemas.openxmlformats.org/drawingml/2006/main" xmlns:p="http://schemas.openxmlformats.org/presentationml/2006/main" xmlns:r="http://schemas.openxmlformats.org/officeDocument/2006/relationships">
   <p:cSld>
     <p:spTree>
       <p:nvGrpSpPr>
@@ -6331,14 +5977,7 @@
         <p:cNvGrpSpPr/>
         <p:nvPr/>
       </p:nvGrpSpPr>
-      <p:grpSpPr>
-        <a:xfrm>
-          <a:off x="0" y="0"/>
-          <a:ext cx="0" cy="0"/>
-          <a:chOff x="0" y="0"/>
-          <a:chExt cx="0" cy="0"/>
-        </a:xfrm>
-      </p:grpSpPr>
+      <p:grpSpPr/>
       <p:sp>
         <p:nvSpPr>
           <p:cNvPr id="2" name="Subtitle 1"/>
@@ -6346,7 +5985,7 @@
             <a:spLocks noGrp="1"/>
           </p:cNvSpPr>
           <p:nvPr>
-            <p:ph type="subTitle" sz="quarter" idx="1"/>
+            <p:ph type="subTitle" idx="1" sz="quarter"/>
           </p:nvPr>
         </p:nvSpPr>
         <p:spPr/>
@@ -6359,9 +5998,18 @@
             </a:pPr>
             <a:r>
               <a:t>Setup
-Manipulating CSV Files
-Working with SQL Databases
-Integrating Azure OpenAI
+</a:t>
+            </a:r>
+            <a:r>
+              <a:t>Manipulating CSV Files
+</a:t>
+            </a:r>
+            <a:r>
+              <a:t>Working with SQL Databases
+</a:t>
+            </a:r>
+            <a:r>
+              <a:t>Integrating Azure OpenAI
 </a:t>
             </a:r>
             <a:r>
@@ -6395,6 +6043,9 @@
               </a:rPr>
               <a:t>Enhancing SQL Interactions</a:t>
             </a:r>
+            <a:endParaRPr sz="4200" b="1" i="0">
+              <a:latin typeface="Times New Roman"/>
+            </a:endParaRPr>
           </a:p>
         </p:txBody>
       </p:sp>
@@ -6440,7 +6091,7 @@
 </file>
 
 <file path=ppt/slides/slide35.xml><?xml version="1.0" encoding="utf-8"?>
-<p:sld xmlns:a="http://schemas.openxmlformats.org/drawingml/2006/main" xmlns:r="http://schemas.openxmlformats.org/officeDocument/2006/relationships" xmlns:p="http://schemas.openxmlformats.org/presentationml/2006/main">
+<p:sld xmlns:a="http://schemas.openxmlformats.org/drawingml/2006/main" xmlns:p="http://schemas.openxmlformats.org/presentationml/2006/main" xmlns:r="http://schemas.openxmlformats.org/officeDocument/2006/relationships">
   <p:cSld>
     <p:spTree>
       <p:nvGrpSpPr>
@@ -6448,14 +6099,7 @@
         <p:cNvGrpSpPr/>
         <p:nvPr/>
       </p:nvGrpSpPr>
-      <p:grpSpPr>
-        <a:xfrm>
-          <a:off x="0" y="0"/>
-          <a:ext cx="0" cy="0"/>
-          <a:chOff x="0" y="0"/>
-          <a:chExt cx="0" cy="0"/>
-        </a:xfrm>
-      </p:grpSpPr>
+      <p:grpSpPr/>
       <p:sp>
         <p:nvSpPr>
           <p:cNvPr id="2" name="Title 1"/>
@@ -6578,7 +6222,7 @@
 </file>
 
 <file path=ppt/slides/slide36.xml><?xml version="1.0" encoding="utf-8"?>
-<p:sld xmlns:a="http://schemas.openxmlformats.org/drawingml/2006/main" xmlns:r="http://schemas.openxmlformats.org/officeDocument/2006/relationships" xmlns:p="http://schemas.openxmlformats.org/presentationml/2006/main">
+<p:sld xmlns:a="http://schemas.openxmlformats.org/drawingml/2006/main" xmlns:p="http://schemas.openxmlformats.org/presentationml/2006/main" xmlns:r="http://schemas.openxmlformats.org/officeDocument/2006/relationships">
   <p:cSld>
     <p:spTree>
       <p:nvGrpSpPr>
@@ -6586,14 +6230,7 @@
         <p:cNvGrpSpPr/>
         <p:nvPr/>
       </p:nvGrpSpPr>
-      <p:grpSpPr>
-        <a:xfrm>
-          <a:off x="0" y="0"/>
-          <a:ext cx="0" cy="0"/>
-          <a:chOff x="0" y="0"/>
-          <a:chExt cx="0" cy="0"/>
-        </a:xfrm>
-      </p:grpSpPr>
+      <p:grpSpPr/>
       <p:sp>
         <p:nvSpPr>
           <p:cNvPr id="2" name="Title 1"/>
@@ -6631,36 +6268,23 @@
           <a:lstStyle/>
           <a:p>
             <a:r>
-              <a:rPr dirty="0"/>
               <a:t> Import necessary libraries:</a:t>
             </a:r>
           </a:p>
-          <a:p>
-            <a:endParaRPr dirty="0"/>
-          </a:p>
-          <a:p>
-            <a:endParaRPr lang="en-US" dirty="0"/>
-          </a:p>
-          <a:p>
-            <a:endParaRPr lang="en-US" dirty="0"/>
-          </a:p>
-          <a:p>
-            <a:endParaRPr dirty="0"/>
-          </a:p>
-          <a:p>
-            <a:r>
-              <a:rPr b="1" dirty="0"/>
+          <a:p/>
+          <a:p/>
+          <a:p>
+            <a:r>
+              <a:rPr b="1"/>
               <a:t> What this does</a:t>
             </a:r>
             <a:r>
-              <a:rPr dirty="0"/>
               <a:t> :</a:t>
             </a:r>
           </a:p>
           <a:p>
             <a:pPr lvl="1"/>
             <a:r>
-              <a:rPr dirty="0"/>
               <a:t> Ensures secure configuration for API-based SQL interactions.</a:t>
             </a:r>
           </a:p>
@@ -6715,8 +6339,8 @@
         </p:blipFill>
         <p:spPr>
           <a:xfrm>
-            <a:off x="704088" y="1634331"/>
-            <a:ext cx="5892800" cy="1460500"/>
+            <a:off x="0" y="1353312"/>
+            <a:ext cx="5892800" cy="1587500"/>
           </a:xfrm>
           <a:prstGeom prst="rect">
             <a:avLst/>
@@ -6732,7 +6356,7 @@
 </file>
 
 <file path=ppt/slides/slide37.xml><?xml version="1.0" encoding="utf-8"?>
-<p:sld xmlns:a="http://schemas.openxmlformats.org/drawingml/2006/main" xmlns:r="http://schemas.openxmlformats.org/officeDocument/2006/relationships" xmlns:p="http://schemas.openxmlformats.org/presentationml/2006/main">
+<p:sld xmlns:a="http://schemas.openxmlformats.org/drawingml/2006/main" xmlns:p="http://schemas.openxmlformats.org/presentationml/2006/main" xmlns:r="http://schemas.openxmlformats.org/officeDocument/2006/relationships">
   <p:cSld>
     <p:spTree>
       <p:nvGrpSpPr>
@@ -6740,14 +6364,7 @@
         <p:cNvGrpSpPr/>
         <p:nvPr/>
       </p:nvGrpSpPr>
-      <p:grpSpPr>
-        <a:xfrm>
-          <a:off x="0" y="0"/>
-          <a:ext cx="0" cy="0"/>
-          <a:chOff x="0" y="0"/>
-          <a:chExt cx="0" cy="0"/>
-        </a:xfrm>
-      </p:grpSpPr>
+      <p:grpSpPr/>
       <p:sp>
         <p:nvSpPr>
           <p:cNvPr id="2" name="Title 1"/>
@@ -6785,33 +6402,23 @@
           <a:lstStyle/>
           <a:p>
             <a:r>
-              <a:rPr dirty="0"/>
               <a:t> Authenticate with the Assistant API using API keys:</a:t>
             </a:r>
           </a:p>
-          <a:p>
-            <a:endParaRPr dirty="0"/>
-          </a:p>
-          <a:p>
-            <a:endParaRPr lang="en-US" dirty="0"/>
-          </a:p>
-          <a:p>
-            <a:endParaRPr dirty="0"/>
-          </a:p>
-          <a:p>
-            <a:r>
-              <a:rPr b="1" dirty="0"/>
+          <a:p/>
+          <a:p/>
+          <a:p>
+            <a:r>
+              <a:rPr b="1"/>
               <a:t> Why authentication</a:t>
             </a:r>
             <a:r>
-              <a:rPr dirty="0"/>
               <a:t> :</a:t>
             </a:r>
           </a:p>
           <a:p>
             <a:pPr lvl="1"/>
             <a:r>
-              <a:rPr dirty="0"/>
               <a:t> Secures access to the API, ensuring only authorized users can interact with your database.</a:t>
             </a:r>
           </a:p>
@@ -6866,8 +6473,8 @@
         </p:blipFill>
         <p:spPr>
           <a:xfrm>
-            <a:off x="704088" y="1634331"/>
-            <a:ext cx="8249412" cy="934125"/>
+            <a:off x="0" y="1353312"/>
+            <a:ext cx="8636000" cy="1054100"/>
           </a:xfrm>
           <a:prstGeom prst="rect">
             <a:avLst/>
@@ -6883,7 +6490,7 @@
 </file>
 
 <file path=ppt/slides/slide38.xml><?xml version="1.0" encoding="utf-8"?>
-<p:sld xmlns:a="http://schemas.openxmlformats.org/drawingml/2006/main" xmlns:r="http://schemas.openxmlformats.org/officeDocument/2006/relationships" xmlns:p="http://schemas.openxmlformats.org/presentationml/2006/main">
+<p:sld xmlns:a="http://schemas.openxmlformats.org/drawingml/2006/main" xmlns:p="http://schemas.openxmlformats.org/presentationml/2006/main" xmlns:r="http://schemas.openxmlformats.org/officeDocument/2006/relationships">
   <p:cSld>
     <p:spTree>
       <p:nvGrpSpPr>
@@ -6891,14 +6498,7 @@
         <p:cNvGrpSpPr/>
         <p:nvPr/>
       </p:nvGrpSpPr>
-      <p:grpSpPr>
-        <a:xfrm>
-          <a:off x="0" y="0"/>
-          <a:ext cx="0" cy="0"/>
-          <a:chOff x="0" y="0"/>
-          <a:chExt cx="0" cy="0"/>
-        </a:xfrm>
-      </p:grpSpPr>
+      <p:grpSpPr/>
       <p:sp>
         <p:nvSpPr>
           <p:cNvPr id="2" name="Title 1"/>
@@ -6936,36 +6536,23 @@
           <a:lstStyle/>
           <a:p>
             <a:r>
-              <a:rPr dirty="0"/>
               <a:t> Send a SQL query to the Assistant API:</a:t>
             </a:r>
           </a:p>
-          <a:p>
-            <a:endParaRPr lang="en-US" dirty="0"/>
-          </a:p>
-          <a:p>
-            <a:endParaRPr lang="en-US" dirty="0"/>
-          </a:p>
-          <a:p>
-            <a:pPr marL="0" indent="0">
-              <a:buNone/>
-            </a:pPr>
-            <a:endParaRPr dirty="0"/>
-          </a:p>
-          <a:p>
-            <a:r>
-              <a:rPr b="1" dirty="0"/>
+          <a:p/>
+          <a:p/>
+          <a:p>
+            <a:r>
+              <a:rPr b="1"/>
               <a:t> Key insight</a:t>
             </a:r>
             <a:r>
-              <a:rPr dirty="0"/>
               <a:t> :</a:t>
             </a:r>
           </a:p>
           <a:p>
             <a:pPr lvl="1"/>
             <a:r>
-              <a:rPr dirty="0"/>
               <a:t> The API enables seamless execution of complex SQL queries with minimal code.</a:t>
             </a:r>
           </a:p>
@@ -7020,8 +6607,8 @@
         </p:blipFill>
         <p:spPr>
           <a:xfrm>
-            <a:off x="704088" y="1558132"/>
-            <a:ext cx="7868412" cy="718030"/>
+            <a:off x="0" y="1353312"/>
+            <a:ext cx="8915400" cy="881370"/>
           </a:xfrm>
           <a:prstGeom prst="rect">
             <a:avLst/>
@@ -7037,7 +6624,7 @@
 </file>
 
 <file path=ppt/slides/slide39.xml><?xml version="1.0" encoding="utf-8"?>
-<p:sld xmlns:a="http://schemas.openxmlformats.org/drawingml/2006/main" xmlns:r="http://schemas.openxmlformats.org/officeDocument/2006/relationships" xmlns:p="http://schemas.openxmlformats.org/presentationml/2006/main">
+<p:sld xmlns:a="http://schemas.openxmlformats.org/drawingml/2006/main" xmlns:p="http://schemas.openxmlformats.org/presentationml/2006/main" xmlns:r="http://schemas.openxmlformats.org/officeDocument/2006/relationships">
   <p:cSld>
     <p:spTree>
       <p:nvGrpSpPr>
@@ -7045,14 +6632,7 @@
         <p:cNvGrpSpPr/>
         <p:nvPr/>
       </p:nvGrpSpPr>
-      <p:grpSpPr>
-        <a:xfrm>
-          <a:off x="0" y="0"/>
-          <a:ext cx="0" cy="0"/>
-          <a:chOff x="0" y="0"/>
-          <a:chExt cx="0" cy="0"/>
-        </a:xfrm>
-      </p:grpSpPr>
+      <p:grpSpPr/>
       <p:sp>
         <p:nvSpPr>
           <p:cNvPr id="2" name="Title 1"/>
@@ -7093,12 +6673,8 @@
               <a:t> Automate SQL queries with natural language inputs:</a:t>
             </a:r>
           </a:p>
-          <a:p>
-            <a:endParaRPr/>
-          </a:p>
-          <a:p>
-            <a:endParaRPr/>
-          </a:p>
+          <a:p/>
+          <a:p/>
           <a:p>
             <a:r>
               <a:rPr b="1"/>
@@ -7165,8 +6741,8 @@
         </p:blipFill>
         <p:spPr>
           <a:xfrm>
-            <a:off x="704088" y="1558131"/>
-            <a:ext cx="8173212" cy="510825"/>
+            <a:off x="0" y="1353312"/>
+            <a:ext cx="8915400" cy="600632"/>
           </a:xfrm>
           <a:prstGeom prst="rect">
             <a:avLst/>
@@ -7182,7 +6758,7 @@
 </file>
 
 <file path=ppt/slides/slide4.xml><?xml version="1.0" encoding="utf-8"?>
-<p:sld xmlns:a="http://schemas.openxmlformats.org/drawingml/2006/main" xmlns:r="http://schemas.openxmlformats.org/officeDocument/2006/relationships" xmlns:p="http://schemas.openxmlformats.org/presentationml/2006/main">
+<p:sld xmlns:a="http://schemas.openxmlformats.org/drawingml/2006/main" xmlns:p="http://schemas.openxmlformats.org/presentationml/2006/main" xmlns:r="http://schemas.openxmlformats.org/officeDocument/2006/relationships">
   <p:cSld>
     <p:spTree>
       <p:nvGrpSpPr>
@@ -7190,14 +6766,7 @@
         <p:cNvGrpSpPr/>
         <p:nvPr/>
       </p:nvGrpSpPr>
-      <p:grpSpPr>
-        <a:xfrm>
-          <a:off x="0" y="0"/>
-          <a:ext cx="0" cy="0"/>
-          <a:chOff x="0" y="0"/>
-          <a:chExt cx="0" cy="0"/>
-        </a:xfrm>
-      </p:grpSpPr>
+      <p:grpSpPr/>
       <p:sp>
         <p:nvSpPr>
           <p:cNvPr id="2" name="Title 1"/>
@@ -7235,54 +6804,30 @@
           <a:lstStyle/>
           <a:p>
             <a:r>
-              <a:rPr dirty="0"/>
               <a:t> Import necessary libraries:</a:t>
             </a:r>
           </a:p>
-          <a:p>
-            <a:endParaRPr dirty="0"/>
-          </a:p>
-          <a:p>
-            <a:endParaRPr dirty="0"/>
-          </a:p>
-          <a:p>
-            <a:pPr marL="0" indent="0">
-              <a:buNone/>
-            </a:pPr>
-            <a:endParaRPr lang="en-US" b="1" dirty="0"/>
-          </a:p>
-          <a:p>
-            <a:endParaRPr lang="en-US" b="1" dirty="0"/>
-          </a:p>
-          <a:p>
-            <a:r>
-              <a:rPr b="1" dirty="0"/>
-              <a:t>What you’ll learn</a:t>
-            </a:r>
-            <a:r>
-              <a:rPr dirty="0"/>
+          <a:p/>
+          <a:p/>
+          <a:p/>
+          <a:p>
+            <a:r>
+              <a:rPr b="1"/>
+              <a:t> What you’ll learn</a:t>
+            </a:r>
+            <a:r>
               <a:t> :</a:t>
             </a:r>
           </a:p>
           <a:p>
             <a:pPr lvl="1"/>
             <a:r>
-              <a:rPr dirty="0"/>
-              <a:t> How to set up your Python environment to interact with Azure OpenAI using </a:t>
-            </a:r>
-            <a:r>
-              <a:rPr dirty="0" err="1"/>
-              <a:t>LangChain</a:t>
-            </a:r>
-            <a:r>
-              <a:rPr dirty="0"/>
-              <a:t>.</a:t>
+              <a:t> How to set up your Python environment to interact with Azure OpenAI using LangChain.</a:t>
             </a:r>
           </a:p>
           <a:p>
             <a:pPr lvl="1"/>
             <a:r>
-              <a:rPr dirty="0"/>
               <a:t> Securely manage sensitive data like API keys and credentials without hardcoding them in your scripts.</a:t>
             </a:r>
           </a:p>
@@ -7337,8 +6882,8 @@
         </p:blipFill>
         <p:spPr>
           <a:xfrm>
-            <a:off x="733721" y="1481931"/>
-            <a:ext cx="7727950" cy="1638521"/>
+            <a:off x="0" y="1353312"/>
+            <a:ext cx="8026400" cy="1854200"/>
           </a:xfrm>
           <a:prstGeom prst="rect">
             <a:avLst/>
@@ -7354,7 +6899,7 @@
 </file>
 
 <file path=ppt/slides/slide40.xml><?xml version="1.0" encoding="utf-8"?>
-<p:sld xmlns:a="http://schemas.openxmlformats.org/drawingml/2006/main" xmlns:r="http://schemas.openxmlformats.org/officeDocument/2006/relationships" xmlns:p="http://schemas.openxmlformats.org/presentationml/2006/main">
+<p:sld xmlns:a="http://schemas.openxmlformats.org/drawingml/2006/main" xmlns:p="http://schemas.openxmlformats.org/presentationml/2006/main" xmlns:r="http://schemas.openxmlformats.org/officeDocument/2006/relationships">
   <p:cSld>
     <p:spTree>
       <p:nvGrpSpPr>
@@ -7362,14 +6907,7 @@
         <p:cNvGrpSpPr/>
         <p:nvPr/>
       </p:nvGrpSpPr>
-      <p:grpSpPr>
-        <a:xfrm>
-          <a:off x="0" y="0"/>
-          <a:ext cx="0" cy="0"/>
-          <a:chOff x="0" y="0"/>
-          <a:chExt cx="0" cy="0"/>
-        </a:xfrm>
-      </p:grpSpPr>
+      <p:grpSpPr/>
       <p:sp>
         <p:nvSpPr>
           <p:cNvPr id="2" name="Title 1"/>
@@ -7498,7 +7036,7 @@
 </file>
 
 <file path=ppt/slides/slide5.xml><?xml version="1.0" encoding="utf-8"?>
-<p:sld xmlns:a="http://schemas.openxmlformats.org/drawingml/2006/main" xmlns:r="http://schemas.openxmlformats.org/officeDocument/2006/relationships" xmlns:p="http://schemas.openxmlformats.org/presentationml/2006/main">
+<p:sld xmlns:a="http://schemas.openxmlformats.org/drawingml/2006/main" xmlns:p="http://schemas.openxmlformats.org/presentationml/2006/main" xmlns:r="http://schemas.openxmlformats.org/officeDocument/2006/relationships">
   <p:cSld>
     <p:spTree>
       <p:nvGrpSpPr>
@@ -7506,14 +7044,7 @@
         <p:cNvGrpSpPr/>
         <p:nvPr/>
       </p:nvGrpSpPr>
-      <p:grpSpPr>
-        <a:xfrm>
-          <a:off x="0" y="0"/>
-          <a:ext cx="0" cy="0"/>
-          <a:chOff x="0" y="0"/>
-          <a:chExt cx="0" cy="0"/>
-        </a:xfrm>
-      </p:grpSpPr>
+      <p:grpSpPr/>
       <p:sp>
         <p:nvSpPr>
           <p:cNvPr id="2" name="Title 1"/>
@@ -7551,36 +7082,24 @@
           <a:lstStyle/>
           <a:p>
             <a:r>
-              <a:rPr dirty="0"/>
               <a:t> Initialize the Azure OpenAI model:</a:t>
             </a:r>
           </a:p>
-          <a:p>
-            <a:endParaRPr dirty="0"/>
-          </a:p>
-          <a:p>
-            <a:endParaRPr dirty="0"/>
-          </a:p>
-          <a:p>
-            <a:endParaRPr lang="en-US" dirty="0"/>
-          </a:p>
-          <a:p>
-            <a:endParaRPr dirty="0"/>
-          </a:p>
-          <a:p>
-            <a:r>
-              <a:rPr b="1" dirty="0"/>
+          <a:p/>
+          <a:p/>
+          <a:p/>
+          <a:p>
+            <a:r>
+              <a:rPr b="1"/>
               <a:t> Key concept</a:t>
             </a:r>
             <a:r>
-              <a:rPr dirty="0"/>
               <a:t> :</a:t>
             </a:r>
           </a:p>
           <a:p>
             <a:pPr lvl="1"/>
             <a:r>
-              <a:rPr dirty="0"/>
               <a:t> Establishing a connection is the first step to leveraging the power of Azure OpenAI for building AI agents.</a:t>
             </a:r>
           </a:p>
@@ -7635,8 +7154,8 @@
         </p:blipFill>
         <p:spPr>
           <a:xfrm>
-            <a:off x="704088" y="1558131"/>
-            <a:ext cx="8249412" cy="1446886"/>
+            <a:off x="0" y="1353312"/>
+            <a:ext cx="9702800" cy="1854200"/>
           </a:xfrm>
           <a:prstGeom prst="rect">
             <a:avLst/>
@@ -7652,7 +7171,7 @@
 </file>
 
 <file path=ppt/slides/slide6.xml><?xml version="1.0" encoding="utf-8"?>
-<p:sld xmlns:a="http://schemas.openxmlformats.org/drawingml/2006/main" xmlns:r="http://schemas.openxmlformats.org/officeDocument/2006/relationships" xmlns:p="http://schemas.openxmlformats.org/presentationml/2006/main">
+<p:sld xmlns:a="http://schemas.openxmlformats.org/drawingml/2006/main" xmlns:p="http://schemas.openxmlformats.org/presentationml/2006/main" xmlns:r="http://schemas.openxmlformats.org/officeDocument/2006/relationships">
   <p:cSld>
     <p:spTree>
       <p:nvGrpSpPr>
@@ -7660,14 +7179,7 @@
         <p:cNvGrpSpPr/>
         <p:nvPr/>
       </p:nvGrpSpPr>
-      <p:grpSpPr>
-        <a:xfrm>
-          <a:off x="0" y="0"/>
-          <a:ext cx="0" cy="0"/>
-          <a:chOff x="0" y="0"/>
-          <a:chExt cx="0" cy="0"/>
-        </a:xfrm>
-      </p:grpSpPr>
+      <p:grpSpPr/>
       <p:sp>
         <p:nvSpPr>
           <p:cNvPr id="2" name="Title 1"/>
@@ -7705,36 +7217,23 @@
           <a:lstStyle/>
           <a:p>
             <a:r>
-              <a:rPr dirty="0"/>
               <a:t> Define your input message:</a:t>
             </a:r>
           </a:p>
-          <a:p>
-            <a:endParaRPr dirty="0"/>
-          </a:p>
-          <a:p>
-            <a:endParaRPr lang="en-US" dirty="0"/>
-          </a:p>
-          <a:p>
-            <a:pPr marL="0" indent="0">
-              <a:buNone/>
-            </a:pPr>
-            <a:endParaRPr lang="en-US" dirty="0"/>
-          </a:p>
-          <a:p>
-            <a:r>
-              <a:rPr b="1" dirty="0"/>
+          <a:p/>
+          <a:p/>
+          <a:p>
+            <a:r>
+              <a:rPr b="1"/>
               <a:t> Why prompts matter</a:t>
             </a:r>
             <a:r>
-              <a:rPr dirty="0"/>
               <a:t> :</a:t>
             </a:r>
           </a:p>
           <a:p>
             <a:pPr lvl="1"/>
             <a:r>
-              <a:rPr dirty="0"/>
               <a:t> Clear and specific prompts help AI agents deliver accurate and contextually relevant outputs.</a:t>
             </a:r>
           </a:p>
@@ -7789,8 +7288,8 @@
         </p:blipFill>
         <p:spPr>
           <a:xfrm>
-            <a:off x="704088" y="1481931"/>
-            <a:ext cx="7956550" cy="1161172"/>
+            <a:off x="0" y="1353312"/>
+            <a:ext cx="10007600" cy="1587500"/>
           </a:xfrm>
           <a:prstGeom prst="rect">
             <a:avLst/>
@@ -7806,7 +7305,7 @@
 </file>
 
 <file path=ppt/slides/slide7.xml><?xml version="1.0" encoding="utf-8"?>
-<p:sld xmlns:a="http://schemas.openxmlformats.org/drawingml/2006/main" xmlns:r="http://schemas.openxmlformats.org/officeDocument/2006/relationships" xmlns:p="http://schemas.openxmlformats.org/presentationml/2006/main">
+<p:sld xmlns:a="http://schemas.openxmlformats.org/drawingml/2006/main" xmlns:p="http://schemas.openxmlformats.org/presentationml/2006/main" xmlns:r="http://schemas.openxmlformats.org/officeDocument/2006/relationships">
   <p:cSld>
     <p:spTree>
       <p:nvGrpSpPr>
@@ -7814,14 +7313,7 @@
         <p:cNvGrpSpPr/>
         <p:nvPr/>
       </p:nvGrpSpPr>
-      <p:grpSpPr>
-        <a:xfrm>
-          <a:off x="0" y="0"/>
-          <a:ext cx="0" cy="0"/>
-          <a:chOff x="0" y="0"/>
-          <a:chExt cx="0" cy="0"/>
-        </a:xfrm>
-      </p:grpSpPr>
+      <p:grpSpPr/>
       <p:sp>
         <p:nvSpPr>
           <p:cNvPr id="2" name="Title 1"/>
@@ -7859,30 +7351,22 @@
           <a:lstStyle/>
           <a:p>
             <a:r>
-              <a:rPr dirty="0"/>
               <a:t> Invoke the model with your prompt:</a:t>
             </a:r>
           </a:p>
-          <a:p>
-            <a:endParaRPr lang="en-US" dirty="0"/>
-          </a:p>
-          <a:p>
-            <a:endParaRPr dirty="0"/>
-          </a:p>
-          <a:p>
-            <a:r>
-              <a:rPr b="1" dirty="0"/>
+          <a:p/>
+          <a:p>
+            <a:r>
+              <a:rPr b="1"/>
               <a:t> What happens here</a:t>
             </a:r>
             <a:r>
-              <a:rPr dirty="0"/>
               <a:t> :</a:t>
             </a:r>
           </a:p>
           <a:p>
             <a:pPr lvl="1"/>
             <a:r>
-              <a:rPr dirty="0"/>
               <a:t> The AI model processes your input prompt and generates responses in both French and Spanish.</a:t>
             </a:r>
           </a:p>
@@ -7937,8 +7421,8 @@
         </p:blipFill>
         <p:spPr>
           <a:xfrm>
-            <a:off x="723900" y="1481931"/>
-            <a:ext cx="5892800" cy="736600"/>
+            <a:off x="0" y="1353312"/>
+            <a:ext cx="5892800" cy="787400"/>
           </a:xfrm>
           <a:prstGeom prst="rect">
             <a:avLst/>
@@ -7954,7 +7438,7 @@
 </file>
 
 <file path=ppt/slides/slide8.xml><?xml version="1.0" encoding="utf-8"?>
-<p:sld xmlns:a="http://schemas.openxmlformats.org/drawingml/2006/main" xmlns:r="http://schemas.openxmlformats.org/officeDocument/2006/relationships" xmlns:p="http://schemas.openxmlformats.org/presentationml/2006/main">
+<p:sld xmlns:a="http://schemas.openxmlformats.org/drawingml/2006/main" xmlns:p="http://schemas.openxmlformats.org/presentationml/2006/main" xmlns:r="http://schemas.openxmlformats.org/officeDocument/2006/relationships">
   <p:cSld>
     <p:spTree>
       <p:nvGrpSpPr>
@@ -7962,14 +7446,7 @@
         <p:cNvGrpSpPr/>
         <p:nvPr/>
       </p:nvGrpSpPr>
-      <p:grpSpPr>
-        <a:xfrm>
-          <a:off x="0" y="0"/>
-          <a:ext cx="0" cy="0"/>
-          <a:chOff x="0" y="0"/>
-          <a:chExt cx="0" cy="0"/>
-        </a:xfrm>
-      </p:grpSpPr>
+      <p:grpSpPr/>
       <p:sp>
         <p:nvSpPr>
           <p:cNvPr id="2" name="Title 1"/>
@@ -8104,7 +7581,7 @@
 </file>
 
 <file path=ppt/slides/slide9.xml><?xml version="1.0" encoding="utf-8"?>
-<p:sld xmlns:a="http://schemas.openxmlformats.org/drawingml/2006/main" xmlns:r="http://schemas.openxmlformats.org/officeDocument/2006/relationships" xmlns:p="http://schemas.openxmlformats.org/presentationml/2006/main">
+<p:sld xmlns:a="http://schemas.openxmlformats.org/drawingml/2006/main" xmlns:p="http://schemas.openxmlformats.org/presentationml/2006/main" xmlns:r="http://schemas.openxmlformats.org/officeDocument/2006/relationships">
   <p:cSld>
     <p:spTree>
       <p:nvGrpSpPr>
@@ -8112,14 +7589,7 @@
         <p:cNvGrpSpPr/>
         <p:nvPr/>
       </p:nvGrpSpPr>
-      <p:grpSpPr>
-        <a:xfrm>
-          <a:off x="0" y="0"/>
-          <a:ext cx="0" cy="0"/>
-          <a:chOff x="0" y="0"/>
-          <a:chExt cx="0" cy="0"/>
-        </a:xfrm>
-      </p:grpSpPr>
+      <p:grpSpPr/>
       <p:sp>
         <p:nvSpPr>
           <p:cNvPr id="2" name="Subtitle 1"/>
@@ -8127,7 +7597,7 @@
             <a:spLocks noGrp="1"/>
           </p:cNvSpPr>
           <p:nvPr>
-            <p:ph type="subTitle" sz="quarter" idx="1"/>
+            <p:ph type="subTitle" idx="1" sz="quarter"/>
           </p:nvPr>
         </p:nvSpPr>
         <p:spPr/>
@@ -8149,8 +7619,14 @@
             </a:r>
             <a:r>
               <a:t>Working with SQL Databases
-Integrating Azure OpenAI
-Enhancing SQL Interactions
+</a:t>
+            </a:r>
+            <a:r>
+              <a:t>Integrating Azure OpenAI
+</a:t>
+            </a:r>
+            <a:r>
+              <a:t>Enhancing SQL Interactions
 </a:t>
             </a:r>
           </a:p>
@@ -8179,6 +7655,9 @@
               </a:rPr>
               <a:t>Manipulating CSV Files</a:t>
             </a:r>
+            <a:endParaRPr sz="4200" b="1" i="0">
+              <a:latin typeface="Times New Roman"/>
+            </a:endParaRPr>
           </a:p>
         </p:txBody>
       </p:sp>
